--- a/netcoreconf23_BCN_BlazorNoWayHome.pptx
+++ b/netcoreconf23_BCN_BlazorNoWayHome.pptx
@@ -5,26 +5,25 @@
     <p:sldMasterId id="2147483648" r:id="rId1"/>
   </p:sldMasterIdLst>
   <p:notesMasterIdLst>
-    <p:notesMasterId r:id="rId19"/>
+    <p:notesMasterId r:id="rId18"/>
   </p:notesMasterIdLst>
   <p:sldIdLst>
     <p:sldId id="292" r:id="rId2"/>
     <p:sldId id="301" r:id="rId3"/>
     <p:sldId id="303" r:id="rId4"/>
-    <p:sldId id="295" r:id="rId5"/>
-    <p:sldId id="287" r:id="rId6"/>
-    <p:sldId id="304" r:id="rId7"/>
-    <p:sldId id="305" r:id="rId8"/>
-    <p:sldId id="306" r:id="rId9"/>
-    <p:sldId id="307" r:id="rId10"/>
-    <p:sldId id="308" r:id="rId11"/>
-    <p:sldId id="309" r:id="rId12"/>
-    <p:sldId id="310" r:id="rId13"/>
-    <p:sldId id="311" r:id="rId14"/>
-    <p:sldId id="312" r:id="rId15"/>
+    <p:sldId id="304" r:id="rId5"/>
+    <p:sldId id="305" r:id="rId6"/>
+    <p:sldId id="306" r:id="rId7"/>
+    <p:sldId id="307" r:id="rId8"/>
+    <p:sldId id="308" r:id="rId9"/>
+    <p:sldId id="309" r:id="rId10"/>
+    <p:sldId id="310" r:id="rId11"/>
+    <p:sldId id="311" r:id="rId12"/>
+    <p:sldId id="312" r:id="rId13"/>
+    <p:sldId id="313" r:id="rId14"/>
+    <p:sldId id="314" r:id="rId15"/>
     <p:sldId id="302" r:id="rId16"/>
     <p:sldId id="281" r:id="rId17"/>
-    <p:sldId id="300" r:id="rId18"/>
   </p:sldIdLst>
   <p:sldSz cx="12192000" cy="6858000"/>
   <p:notesSz cx="6858000" cy="9144000"/>
@@ -134,7 +133,7 @@
 <file path=ppt/revisionInfo.xml><?xml version="1.0" encoding="utf-8"?>
 <p1510:revInfo xmlns:a="http://schemas.openxmlformats.org/drawingml/2006/main" xmlns:r="http://schemas.openxmlformats.org/officeDocument/2006/relationships" xmlns:p1510="http://schemas.microsoft.com/office/powerpoint/2015/10/main">
   <p1510:revLst>
-    <p1510:client id="{B89B27EC-3E29-440A-A098-994B7AA9B6DD}" v="45" dt="2023-02-22T08:42:34.462"/>
+    <p1510:client id="{B89B27EC-3E29-440A-A098-994B7AA9B6DD}" v="46" dt="2023-02-23T08:16:09.044"/>
   </p1510:revLst>
 </p1510:revInfo>
 </file>
@@ -1718,7 +1717,7 @@
   <pc:docChgLst>
     <pc:chgData name="Manuel Sánchez" userId="2180821b70765b11" providerId="LiveId" clId="{B89B27EC-3E29-440A-A098-994B7AA9B6DD}"/>
     <pc:docChg chg="addSld modSld modMainMaster">
-      <pc:chgData name="Manuel Sánchez" userId="2180821b70765b11" providerId="LiveId" clId="{B89B27EC-3E29-440A-A098-994B7AA9B6DD}" dt="2023-02-22T08:42:34.462" v="43"/>
+      <pc:chgData name="Manuel Sánchez" userId="2180821b70765b11" providerId="LiveId" clId="{B89B27EC-3E29-440A-A098-994B7AA9B6DD}" dt="2023-02-23T08:16:42.152" v="54" actId="1076"/>
       <pc:docMkLst>
         <pc:docMk/>
       </pc:docMkLst>
@@ -1730,13 +1729,13 @@
         </pc:sldMkLst>
       </pc:sldChg>
       <pc:sldMasterChg chg="modSldLayout">
-        <pc:chgData name="Manuel Sánchez" userId="2180821b70765b11" providerId="LiveId" clId="{B89B27EC-3E29-440A-A098-994B7AA9B6DD}" dt="2023-02-22T08:42:34.462" v="43"/>
+        <pc:chgData name="Manuel Sánchez" userId="2180821b70765b11" providerId="LiveId" clId="{B89B27EC-3E29-440A-A098-994B7AA9B6DD}" dt="2023-02-23T08:16:42.152" v="54" actId="1076"/>
         <pc:sldMasterMkLst>
           <pc:docMk/>
           <pc:sldMasterMk cId="3653831248" sldId="2147483648"/>
         </pc:sldMasterMkLst>
-        <pc:sldLayoutChg chg="addSp delSp modSp setBg">
-          <pc:chgData name="Manuel Sánchez" userId="2180821b70765b11" providerId="LiveId" clId="{B89B27EC-3E29-440A-A098-994B7AA9B6DD}" dt="2023-02-22T08:42:34.462" v="43"/>
+        <pc:sldLayoutChg chg="addSp delSp modSp mod setBg">
+          <pc:chgData name="Manuel Sánchez" userId="2180821b70765b11" providerId="LiveId" clId="{B89B27EC-3E29-440A-A098-994B7AA9B6DD}" dt="2023-02-23T08:16:42.152" v="54" actId="1076"/>
           <pc:sldLayoutMkLst>
             <pc:docMk/>
             <pc:sldMasterMk cId="3653831248" sldId="2147483648"/>
@@ -1803,6 +1802,15 @@
               <pc:sldMasterMk cId="3653831248" sldId="2147483648"/>
               <pc:sldLayoutMk cId="4070457799" sldId="2147483670"/>
               <ac:picMk id="4" creationId="{40C8BB5A-1BF8-11E4-25D6-AD305ADB4BEE}"/>
+            </ac:picMkLst>
+          </pc:picChg>
+          <pc:picChg chg="add mod">
+            <ac:chgData name="Manuel Sánchez" userId="2180821b70765b11" providerId="LiveId" clId="{B89B27EC-3E29-440A-A098-994B7AA9B6DD}" dt="2023-02-23T08:16:42.152" v="54" actId="1076"/>
+            <ac:picMkLst>
+              <pc:docMk/>
+              <pc:sldMasterMk cId="3653831248" sldId="2147483648"/>
+              <pc:sldLayoutMk cId="4070457799" sldId="2147483670"/>
+              <ac:picMk id="4" creationId="{47F207C7-832F-10BC-2A39-A3F9B253F34B}"/>
             </ac:picMkLst>
           </pc:picChg>
           <pc:picChg chg="add mod">
@@ -4834,7 +4842,7 @@
           <a:p>
             <a:fld id="{939FF663-7E36-284F-93AD-25D19950C905}" type="datetimeFigureOut">
               <a:rPr lang="es-ES_tradnl" smtClean="0"/>
-              <a:t>25/02/2023</a:t>
+              <a:t>27/02/2023</a:t>
             </a:fld>
             <a:endParaRPr lang="es-ES_tradnl"/>
           </a:p>
@@ -5333,7 +5341,7 @@
           <a:p>
             <a:fld id="{884406F1-D55D-4EF3-B6E5-F254E6012FCC}" type="datetimeFigureOut">
               <a:rPr lang="es-ES" smtClean="0"/>
-              <a:t>25/02/2023</a:t>
+              <a:t>27/02/2023</a:t>
             </a:fld>
             <a:endParaRPr lang="es-ES"/>
           </a:p>
@@ -5594,7 +5602,7 @@
             <a:fld id="{DC76426A-DF8C-4B33-AC87-8CA5E8B7F10A}" type="datetimeFigureOut">
               <a:rPr lang="es-ES" smtClean="0"/>
               <a:pPr/>
-              <a:t>25/02/2023</a:t>
+              <a:t>27/02/2023</a:t>
             </a:fld>
             <a:endParaRPr lang="es-ES" dirty="0"/>
           </a:p>
@@ -6839,7 +6847,7 @@
             <a:fld id="{DC76426A-DF8C-4B33-AC87-8CA5E8B7F10A}" type="datetimeFigureOut">
               <a:rPr lang="es-ES" smtClean="0"/>
               <a:pPr/>
-              <a:t>25/02/2023</a:t>
+              <a:t>27/02/2023</a:t>
             </a:fld>
             <a:endParaRPr lang="es-ES" dirty="0"/>
           </a:p>
@@ -7211,7 +7219,7 @@
           <a:p>
             <a:fld id="{884406F1-D55D-4EF3-B6E5-F254E6012FCC}" type="datetimeFigureOut">
               <a:rPr lang="es-ES" smtClean="0"/>
-              <a:t>25/02/2023</a:t>
+              <a:t>27/02/2023</a:t>
             </a:fld>
             <a:endParaRPr lang="es-ES"/>
           </a:p>
@@ -7916,6 +7924,42 @@
           </a:p>
         </p:txBody>
       </p:sp>
+      <p:pic>
+        <p:nvPicPr>
+          <p:cNvPr id="4" name="Imagen 3" descr="Imagen que contiene Icono&#10;&#10;Descripción generada automáticamente">
+            <a:extLst>
+              <a:ext uri="{FF2B5EF4-FFF2-40B4-BE49-F238E27FC236}">
+                <a16:creationId xmlns:a16="http://schemas.microsoft.com/office/drawing/2014/main" id="{47F207C7-832F-10BC-2A39-A3F9B253F34B}"/>
+              </a:ext>
+            </a:extLst>
+          </p:cNvPr>
+          <p:cNvPicPr>
+            <a:picLocks noChangeAspect="1"/>
+          </p:cNvPicPr>
+          <p:nvPr userDrawn="1"/>
+        </p:nvPicPr>
+        <p:blipFill>
+          <a:blip r:embed="rId11">
+            <a:extLst>
+              <a:ext uri="{28A0092B-C50C-407E-A947-70E740481C1C}">
+                <a14:useLocalDpi xmlns:a14="http://schemas.microsoft.com/office/drawing/2010/main" val="0"/>
+              </a:ext>
+            </a:extLst>
+          </a:blip>
+          <a:stretch>
+            <a:fillRect/>
+          </a:stretch>
+        </p:blipFill>
+        <p:spPr>
+          <a:xfrm>
+            <a:off x="5714058" y="5217761"/>
+            <a:ext cx="713691" cy="478173"/>
+          </a:xfrm>
+          <a:prstGeom prst="rect">
+            <a:avLst/>
+          </a:prstGeom>
+        </p:spPr>
+      </p:pic>
     </p:spTree>
     <p:extLst>
       <p:ext uri="{BB962C8B-B14F-4D97-AF65-F5344CB8AC3E}">
@@ -8100,7 +8144,7 @@
           <a:p>
             <a:fld id="{884406F1-D55D-4EF3-B6E5-F254E6012FCC}" type="datetimeFigureOut">
               <a:rPr lang="es-ES" smtClean="0"/>
-              <a:t>25/02/2023</a:t>
+              <a:t>27/02/2023</a:t>
             </a:fld>
             <a:endParaRPr lang="es-ES"/>
           </a:p>
@@ -8694,6 +8738,10 @@
               <a:t>Cristian Garrido</a:t>
             </a:r>
           </a:p>
+          <a:p>
+            <a:pPr algn="r"/>
+            <a:endParaRPr lang="es-ES" dirty="0"/>
+          </a:p>
         </p:txBody>
       </p:sp>
       <p:pic>
@@ -10394,1696 +10442,6 @@
 </p:sld>
 </file>
 
-<file path=ppt/slides/slide17.xml><?xml version="1.0" encoding="utf-8"?>
-<p:sld xmlns:a="http://schemas.openxmlformats.org/drawingml/2006/main" xmlns:r="http://schemas.openxmlformats.org/officeDocument/2006/relationships" xmlns:p="http://schemas.openxmlformats.org/presentationml/2006/main">
-  <p:cSld>
-    <p:spTree>
-      <p:nvGrpSpPr>
-        <p:cNvPr id="1" name=""/>
-        <p:cNvGrpSpPr/>
-        <p:nvPr/>
-      </p:nvGrpSpPr>
-      <p:grpSpPr>
-        <a:xfrm>
-          <a:off x="0" y="0"/>
-          <a:ext cx="0" cy="0"/>
-          <a:chOff x="0" y="0"/>
-          <a:chExt cx="0" cy="0"/>
-        </a:xfrm>
-      </p:grpSpPr>
-      <p:sp>
-        <p:nvSpPr>
-          <p:cNvPr id="3" name="Text Placeholder 2">
-            <a:extLst>
-              <a:ext uri="{FF2B5EF4-FFF2-40B4-BE49-F238E27FC236}">
-                <a16:creationId xmlns:a16="http://schemas.microsoft.com/office/drawing/2014/main" id="{B43F491C-26C7-D597-4FD6-6C1A7AFC7C4D}"/>
-              </a:ext>
-            </a:extLst>
-          </p:cNvPr>
-          <p:cNvSpPr>
-            <a:spLocks noGrp="1"/>
-          </p:cNvSpPr>
-          <p:nvPr>
-            <p:ph type="body" sz="quarter" idx="13"/>
-          </p:nvPr>
-        </p:nvSpPr>
-        <p:spPr/>
-        <p:txBody>
-          <a:bodyPr>
-            <a:normAutofit fontScale="92500" lnSpcReduction="20000"/>
-          </a:bodyPr>
-          <a:lstStyle/>
-          <a:p>
-            <a:endParaRPr lang="es-ES" dirty="0"/>
-          </a:p>
-        </p:txBody>
-      </p:sp>
-      <p:sp>
-        <p:nvSpPr>
-          <p:cNvPr id="4" name="Rectangle 3">
-            <a:extLst>
-              <a:ext uri="{FF2B5EF4-FFF2-40B4-BE49-F238E27FC236}">
-                <a16:creationId xmlns:a16="http://schemas.microsoft.com/office/drawing/2014/main" id="{8B64A93C-607A-9BC9-EBEB-E580B4236778}"/>
-              </a:ext>
-            </a:extLst>
-          </p:cNvPr>
-          <p:cNvSpPr/>
-          <p:nvPr/>
-        </p:nvSpPr>
-        <p:spPr>
-          <a:xfrm>
-            <a:off x="204047" y="340272"/>
-            <a:ext cx="7595001" cy="5770382"/>
-          </a:xfrm>
-          <a:prstGeom prst="rect">
-            <a:avLst/>
-          </a:prstGeom>
-          <a:solidFill>
-            <a:srgbClr val="682079"/>
-          </a:solidFill>
-          <a:ln>
-            <a:solidFill>
-              <a:srgbClr val="682079"/>
-            </a:solidFill>
-          </a:ln>
-        </p:spPr>
-        <p:style>
-          <a:lnRef idx="2">
-            <a:schemeClr val="accent1">
-              <a:shade val="50000"/>
-            </a:schemeClr>
-          </a:lnRef>
-          <a:fillRef idx="1">
-            <a:schemeClr val="accent1"/>
-          </a:fillRef>
-          <a:effectRef idx="0">
-            <a:schemeClr val="accent1"/>
-          </a:effectRef>
-          <a:fontRef idx="minor">
-            <a:schemeClr val="lt1"/>
-          </a:fontRef>
-        </p:style>
-        <p:txBody>
-          <a:bodyPr rtlCol="0" anchor="ctr"/>
-          <a:lstStyle/>
-          <a:p>
-            <a:pPr algn="ctr"/>
-            <a:endParaRPr lang="es-ES"/>
-          </a:p>
-        </p:txBody>
-      </p:sp>
-      <p:sp>
-        <p:nvSpPr>
-          <p:cNvPr id="2" name="Title 1">
-            <a:extLst>
-              <a:ext uri="{FF2B5EF4-FFF2-40B4-BE49-F238E27FC236}">
-                <a16:creationId xmlns:a16="http://schemas.microsoft.com/office/drawing/2014/main" id="{02F2DE5A-DB79-3BAE-88D3-C7C6E0A0EF2E}"/>
-              </a:ext>
-            </a:extLst>
-          </p:cNvPr>
-          <p:cNvSpPr>
-            <a:spLocks noGrp="1"/>
-          </p:cNvSpPr>
-          <p:nvPr>
-            <p:ph type="title"/>
-          </p:nvPr>
-        </p:nvSpPr>
-        <p:spPr>
-          <a:xfrm>
-            <a:off x="586804" y="-15448"/>
-            <a:ext cx="7053943" cy="1103552"/>
-          </a:xfrm>
-        </p:spPr>
-        <p:txBody>
-          <a:bodyPr>
-            <a:normAutofit fontScale="90000"/>
-          </a:bodyPr>
-          <a:lstStyle/>
-          <a:p>
-            <a:br>
-              <a:rPr lang="es-ES" b="1" dirty="0">
-                <a:solidFill>
-                  <a:schemeClr val="bg1"/>
-                </a:solidFill>
-              </a:rPr>
-            </a:br>
-            <a:r>
-              <a:rPr lang="es-ES" b="1" dirty="0" err="1">
-                <a:solidFill>
-                  <a:schemeClr val="bg1"/>
-                </a:solidFill>
-              </a:rPr>
-              <a:t>Title</a:t>
-            </a:r>
-            <a:r>
-              <a:rPr lang="es-ES" b="1" dirty="0">
-                <a:solidFill>
-                  <a:schemeClr val="bg1"/>
-                </a:solidFill>
-              </a:rPr>
-              <a:t> </a:t>
-            </a:r>
-            <a:r>
-              <a:rPr lang="es-ES" b="1" dirty="0" err="1">
-                <a:solidFill>
-                  <a:schemeClr val="bg1"/>
-                </a:solidFill>
-              </a:rPr>
-              <a:t>Example</a:t>
-            </a:r>
-            <a:endParaRPr lang="es-ES" b="1" dirty="0">
-              <a:solidFill>
-                <a:schemeClr val="bg1"/>
-              </a:solidFill>
-            </a:endParaRPr>
-          </a:p>
-        </p:txBody>
-      </p:sp>
-      <p:sp>
-        <p:nvSpPr>
-          <p:cNvPr id="5" name="Título 4">
-            <a:extLst>
-              <a:ext uri="{FF2B5EF4-FFF2-40B4-BE49-F238E27FC236}">
-                <a16:creationId xmlns:a16="http://schemas.microsoft.com/office/drawing/2014/main" id="{6F82169C-5AC4-2F43-DF43-37D2D5E0537B}"/>
-              </a:ext>
-            </a:extLst>
-          </p:cNvPr>
-          <p:cNvSpPr txBox="1">
-            <a:spLocks/>
-          </p:cNvSpPr>
-          <p:nvPr/>
-        </p:nvSpPr>
-        <p:spPr>
-          <a:xfrm>
-            <a:off x="586805" y="1195523"/>
-            <a:ext cx="6798734" cy="4466953"/>
-          </a:xfrm>
-          <a:prstGeom prst="rect">
-            <a:avLst/>
-          </a:prstGeom>
-          <a:noFill/>
-        </p:spPr>
-        <p:txBody>
-          <a:bodyPr vert="horz" lIns="91440" tIns="45720" rIns="91440" bIns="45720" rtlCol="0" anchor="ctr">
-            <a:noAutofit/>
-          </a:bodyPr>
-          <a:lstStyle>
-            <a:lvl1pPr algn="l" defTabSz="914400" rtl="0" eaLnBrk="1" latinLnBrk="0" hangingPunct="1">
-              <a:lnSpc>
-                <a:spcPct val="90000"/>
-              </a:lnSpc>
-              <a:spcBef>
-                <a:spcPct val="0"/>
-              </a:spcBef>
-              <a:buNone/>
-              <a:defRPr sz="3600" kern="1200">
-                <a:solidFill>
-                  <a:srgbClr val="561B64"/>
-                </a:solidFill>
-                <a:latin typeface="+mj-lt"/>
-                <a:ea typeface="+mj-ea"/>
-                <a:cs typeface="+mj-cs"/>
-              </a:defRPr>
-            </a:lvl1pPr>
-          </a:lstStyle>
-          <a:p>
-            <a:pPr algn="just"/>
-            <a:r>
-              <a:rPr lang="es-ES" sz="2000" dirty="0" err="1">
-                <a:solidFill>
-                  <a:schemeClr val="bg1"/>
-                </a:solidFill>
-                <a:latin typeface="Segoe UI" panose="020B0502040204020203" pitchFamily="34" charset="0"/>
-              </a:rPr>
-              <a:t>Lorem</a:t>
-            </a:r>
-            <a:r>
-              <a:rPr lang="es-ES" sz="2000" dirty="0">
-                <a:solidFill>
-                  <a:schemeClr val="bg1"/>
-                </a:solidFill>
-                <a:latin typeface="Segoe UI" panose="020B0502040204020203" pitchFamily="34" charset="0"/>
-              </a:rPr>
-              <a:t> </a:t>
-            </a:r>
-            <a:r>
-              <a:rPr lang="es-ES" sz="2000" dirty="0" err="1">
-                <a:solidFill>
-                  <a:schemeClr val="bg1"/>
-                </a:solidFill>
-                <a:latin typeface="Segoe UI" panose="020B0502040204020203" pitchFamily="34" charset="0"/>
-              </a:rPr>
-              <a:t>ipsum</a:t>
-            </a:r>
-            <a:r>
-              <a:rPr lang="es-ES" sz="2000" dirty="0">
-                <a:solidFill>
-                  <a:schemeClr val="bg1"/>
-                </a:solidFill>
-                <a:latin typeface="Segoe UI" panose="020B0502040204020203" pitchFamily="34" charset="0"/>
-              </a:rPr>
-              <a:t> dolor </a:t>
-            </a:r>
-            <a:r>
-              <a:rPr lang="es-ES" sz="2000" dirty="0" err="1">
-                <a:solidFill>
-                  <a:schemeClr val="bg1"/>
-                </a:solidFill>
-                <a:latin typeface="Segoe UI" panose="020B0502040204020203" pitchFamily="34" charset="0"/>
-              </a:rPr>
-              <a:t>sit</a:t>
-            </a:r>
-            <a:r>
-              <a:rPr lang="es-ES" sz="2000" dirty="0">
-                <a:solidFill>
-                  <a:schemeClr val="bg1"/>
-                </a:solidFill>
-                <a:latin typeface="Segoe UI" panose="020B0502040204020203" pitchFamily="34" charset="0"/>
-              </a:rPr>
-              <a:t> </a:t>
-            </a:r>
-            <a:r>
-              <a:rPr lang="es-ES" sz="2000" dirty="0" err="1">
-                <a:solidFill>
-                  <a:schemeClr val="bg1"/>
-                </a:solidFill>
-                <a:latin typeface="Segoe UI" panose="020B0502040204020203" pitchFamily="34" charset="0"/>
-              </a:rPr>
-              <a:t>amet</a:t>
-            </a:r>
-            <a:r>
-              <a:rPr lang="es-ES" sz="2000" dirty="0">
-                <a:solidFill>
-                  <a:schemeClr val="bg1"/>
-                </a:solidFill>
-                <a:latin typeface="Segoe UI" panose="020B0502040204020203" pitchFamily="34" charset="0"/>
-              </a:rPr>
-              <a:t>, </a:t>
-            </a:r>
-            <a:r>
-              <a:rPr lang="es-ES" sz="2000" dirty="0" err="1">
-                <a:solidFill>
-                  <a:schemeClr val="bg1"/>
-                </a:solidFill>
-                <a:latin typeface="Segoe UI" panose="020B0502040204020203" pitchFamily="34" charset="0"/>
-              </a:rPr>
-              <a:t>consectetur</a:t>
-            </a:r>
-            <a:r>
-              <a:rPr lang="es-ES" sz="2000" dirty="0">
-                <a:solidFill>
-                  <a:schemeClr val="bg1"/>
-                </a:solidFill>
-                <a:latin typeface="Segoe UI" panose="020B0502040204020203" pitchFamily="34" charset="0"/>
-              </a:rPr>
-              <a:t> </a:t>
-            </a:r>
-            <a:r>
-              <a:rPr lang="es-ES" sz="2000" dirty="0" err="1">
-                <a:solidFill>
-                  <a:schemeClr val="bg1"/>
-                </a:solidFill>
-                <a:latin typeface="Segoe UI" panose="020B0502040204020203" pitchFamily="34" charset="0"/>
-              </a:rPr>
-              <a:t>adipiscing</a:t>
-            </a:r>
-            <a:r>
-              <a:rPr lang="es-ES" sz="2000" dirty="0">
-                <a:solidFill>
-                  <a:schemeClr val="bg1"/>
-                </a:solidFill>
-                <a:latin typeface="Segoe UI" panose="020B0502040204020203" pitchFamily="34" charset="0"/>
-              </a:rPr>
-              <a:t> </a:t>
-            </a:r>
-            <a:r>
-              <a:rPr lang="es-ES" sz="2000" dirty="0" err="1">
-                <a:solidFill>
-                  <a:schemeClr val="bg1"/>
-                </a:solidFill>
-                <a:latin typeface="Segoe UI" panose="020B0502040204020203" pitchFamily="34" charset="0"/>
-              </a:rPr>
-              <a:t>elit</a:t>
-            </a:r>
-            <a:r>
-              <a:rPr lang="es-ES" sz="2000" dirty="0">
-                <a:solidFill>
-                  <a:schemeClr val="bg1"/>
-                </a:solidFill>
-                <a:latin typeface="Segoe UI" panose="020B0502040204020203" pitchFamily="34" charset="0"/>
-              </a:rPr>
-              <a:t>. </a:t>
-            </a:r>
-            <a:r>
-              <a:rPr lang="es-ES" sz="2000" dirty="0" err="1">
-                <a:solidFill>
-                  <a:schemeClr val="bg1"/>
-                </a:solidFill>
-                <a:latin typeface="Segoe UI" panose="020B0502040204020203" pitchFamily="34" charset="0"/>
-              </a:rPr>
-              <a:t>Suspendisse</a:t>
-            </a:r>
-            <a:r>
-              <a:rPr lang="es-ES" sz="2000" dirty="0">
-                <a:solidFill>
-                  <a:schemeClr val="bg1"/>
-                </a:solidFill>
-                <a:latin typeface="Segoe UI" panose="020B0502040204020203" pitchFamily="34" charset="0"/>
-              </a:rPr>
-              <a:t> et </a:t>
-            </a:r>
-            <a:r>
-              <a:rPr lang="es-ES" sz="2000" dirty="0" err="1">
-                <a:solidFill>
-                  <a:schemeClr val="bg1"/>
-                </a:solidFill>
-                <a:latin typeface="Segoe UI" panose="020B0502040204020203" pitchFamily="34" charset="0"/>
-              </a:rPr>
-              <a:t>est</a:t>
-            </a:r>
-            <a:r>
-              <a:rPr lang="es-ES" sz="2000" dirty="0">
-                <a:solidFill>
-                  <a:schemeClr val="bg1"/>
-                </a:solidFill>
-                <a:latin typeface="Segoe UI" panose="020B0502040204020203" pitchFamily="34" charset="0"/>
-              </a:rPr>
-              <a:t> </a:t>
-            </a:r>
-            <a:r>
-              <a:rPr lang="es-ES" sz="2000" dirty="0" err="1">
-                <a:solidFill>
-                  <a:schemeClr val="bg1"/>
-                </a:solidFill>
-                <a:latin typeface="Segoe UI" panose="020B0502040204020203" pitchFamily="34" charset="0"/>
-              </a:rPr>
-              <a:t>tempus</a:t>
-            </a:r>
-            <a:r>
-              <a:rPr lang="es-ES" sz="2000" dirty="0">
-                <a:solidFill>
-                  <a:schemeClr val="bg1"/>
-                </a:solidFill>
-                <a:latin typeface="Segoe UI" panose="020B0502040204020203" pitchFamily="34" charset="0"/>
-              </a:rPr>
-              <a:t>, </a:t>
-            </a:r>
-            <a:r>
-              <a:rPr lang="es-ES" sz="2000" dirty="0" err="1">
-                <a:solidFill>
-                  <a:schemeClr val="bg1"/>
-                </a:solidFill>
-                <a:latin typeface="Segoe UI" panose="020B0502040204020203" pitchFamily="34" charset="0"/>
-              </a:rPr>
-              <a:t>semper</a:t>
-            </a:r>
-            <a:r>
-              <a:rPr lang="es-ES" sz="2000" dirty="0">
-                <a:solidFill>
-                  <a:schemeClr val="bg1"/>
-                </a:solidFill>
-                <a:latin typeface="Segoe UI" panose="020B0502040204020203" pitchFamily="34" charset="0"/>
-              </a:rPr>
-              <a:t> mi vitae, </a:t>
-            </a:r>
-            <a:r>
-              <a:rPr lang="es-ES" sz="2000" dirty="0" err="1">
-                <a:solidFill>
-                  <a:schemeClr val="bg1"/>
-                </a:solidFill>
-                <a:latin typeface="Segoe UI" panose="020B0502040204020203" pitchFamily="34" charset="0"/>
-              </a:rPr>
-              <a:t>rutrum</a:t>
-            </a:r>
-            <a:r>
-              <a:rPr lang="es-ES" sz="2000" dirty="0">
-                <a:solidFill>
-                  <a:schemeClr val="bg1"/>
-                </a:solidFill>
-                <a:latin typeface="Segoe UI" panose="020B0502040204020203" pitchFamily="34" charset="0"/>
-              </a:rPr>
-              <a:t> </a:t>
-            </a:r>
-            <a:r>
-              <a:rPr lang="es-ES" sz="2000" dirty="0" err="1">
-                <a:solidFill>
-                  <a:schemeClr val="bg1"/>
-                </a:solidFill>
-                <a:latin typeface="Segoe UI" panose="020B0502040204020203" pitchFamily="34" charset="0"/>
-              </a:rPr>
-              <a:t>enim</a:t>
-            </a:r>
-            <a:r>
-              <a:rPr lang="es-ES" sz="2000" dirty="0">
-                <a:solidFill>
-                  <a:schemeClr val="bg1"/>
-                </a:solidFill>
-                <a:latin typeface="Segoe UI" panose="020B0502040204020203" pitchFamily="34" charset="0"/>
-              </a:rPr>
-              <a:t>. </a:t>
-            </a:r>
-            <a:r>
-              <a:rPr lang="es-ES" sz="2000" dirty="0" err="1">
-                <a:solidFill>
-                  <a:schemeClr val="bg1"/>
-                </a:solidFill>
-                <a:latin typeface="Segoe UI" panose="020B0502040204020203" pitchFamily="34" charset="0"/>
-              </a:rPr>
-              <a:t>Aliquam</a:t>
-            </a:r>
-            <a:r>
-              <a:rPr lang="es-ES" sz="2000" dirty="0">
-                <a:solidFill>
-                  <a:schemeClr val="bg1"/>
-                </a:solidFill>
-                <a:latin typeface="Segoe UI" panose="020B0502040204020203" pitchFamily="34" charset="0"/>
-              </a:rPr>
-              <a:t> ac </a:t>
-            </a:r>
-            <a:r>
-              <a:rPr lang="es-ES" sz="2000" dirty="0" err="1">
-                <a:solidFill>
-                  <a:schemeClr val="bg1"/>
-                </a:solidFill>
-                <a:latin typeface="Segoe UI" panose="020B0502040204020203" pitchFamily="34" charset="0"/>
-              </a:rPr>
-              <a:t>egestas</a:t>
-            </a:r>
-            <a:r>
-              <a:rPr lang="es-ES" sz="2000" dirty="0">
-                <a:solidFill>
-                  <a:schemeClr val="bg1"/>
-                </a:solidFill>
-                <a:latin typeface="Segoe UI" panose="020B0502040204020203" pitchFamily="34" charset="0"/>
-              </a:rPr>
-              <a:t> eros. Ut </a:t>
-            </a:r>
-            <a:r>
-              <a:rPr lang="es-ES" sz="2000" dirty="0" err="1">
-                <a:solidFill>
-                  <a:schemeClr val="bg1"/>
-                </a:solidFill>
-                <a:latin typeface="Segoe UI" panose="020B0502040204020203" pitchFamily="34" charset="0"/>
-              </a:rPr>
-              <a:t>volutpat</a:t>
-            </a:r>
-            <a:r>
-              <a:rPr lang="es-ES" sz="2000" dirty="0">
-                <a:solidFill>
-                  <a:schemeClr val="bg1"/>
-                </a:solidFill>
-                <a:latin typeface="Segoe UI" panose="020B0502040204020203" pitchFamily="34" charset="0"/>
-              </a:rPr>
-              <a:t> </a:t>
-            </a:r>
-            <a:r>
-              <a:rPr lang="es-ES" sz="2000" dirty="0" err="1">
-                <a:solidFill>
-                  <a:schemeClr val="bg1"/>
-                </a:solidFill>
-                <a:latin typeface="Segoe UI" panose="020B0502040204020203" pitchFamily="34" charset="0"/>
-              </a:rPr>
-              <a:t>elit</a:t>
-            </a:r>
-            <a:r>
-              <a:rPr lang="es-ES" sz="2000" dirty="0">
-                <a:solidFill>
-                  <a:schemeClr val="bg1"/>
-                </a:solidFill>
-                <a:latin typeface="Segoe UI" panose="020B0502040204020203" pitchFamily="34" charset="0"/>
-              </a:rPr>
-              <a:t> </a:t>
-            </a:r>
-            <a:r>
-              <a:rPr lang="es-ES" sz="2000" dirty="0" err="1">
-                <a:solidFill>
-                  <a:schemeClr val="bg1"/>
-                </a:solidFill>
-                <a:latin typeface="Segoe UI" panose="020B0502040204020203" pitchFamily="34" charset="0"/>
-              </a:rPr>
-              <a:t>ligula</a:t>
-            </a:r>
-            <a:r>
-              <a:rPr lang="es-ES" sz="2000" dirty="0">
-                <a:solidFill>
-                  <a:schemeClr val="bg1"/>
-                </a:solidFill>
-                <a:latin typeface="Segoe UI" panose="020B0502040204020203" pitchFamily="34" charset="0"/>
-              </a:rPr>
-              <a:t>. </a:t>
-            </a:r>
-            <a:r>
-              <a:rPr lang="es-ES" sz="2000" dirty="0" err="1">
-                <a:solidFill>
-                  <a:schemeClr val="bg1"/>
-                </a:solidFill>
-                <a:latin typeface="Segoe UI" panose="020B0502040204020203" pitchFamily="34" charset="0"/>
-              </a:rPr>
-              <a:t>Integer</a:t>
-            </a:r>
-            <a:r>
-              <a:rPr lang="es-ES" sz="2000" dirty="0">
-                <a:solidFill>
-                  <a:schemeClr val="bg1"/>
-                </a:solidFill>
-                <a:latin typeface="Segoe UI" panose="020B0502040204020203" pitchFamily="34" charset="0"/>
-              </a:rPr>
-              <a:t> </a:t>
-            </a:r>
-            <a:r>
-              <a:rPr lang="es-ES" sz="2000" dirty="0" err="1">
-                <a:solidFill>
-                  <a:schemeClr val="bg1"/>
-                </a:solidFill>
-                <a:latin typeface="Segoe UI" panose="020B0502040204020203" pitchFamily="34" charset="0"/>
-              </a:rPr>
-              <a:t>molestie</a:t>
-            </a:r>
-            <a:r>
-              <a:rPr lang="es-ES" sz="2000" dirty="0">
-                <a:solidFill>
-                  <a:schemeClr val="bg1"/>
-                </a:solidFill>
-                <a:latin typeface="Segoe UI" panose="020B0502040204020203" pitchFamily="34" charset="0"/>
-              </a:rPr>
-              <a:t> odio </a:t>
-            </a:r>
-            <a:r>
-              <a:rPr lang="es-ES" sz="2000" dirty="0" err="1">
-                <a:solidFill>
-                  <a:schemeClr val="bg1"/>
-                </a:solidFill>
-                <a:latin typeface="Segoe UI" panose="020B0502040204020203" pitchFamily="34" charset="0"/>
-              </a:rPr>
-              <a:t>diam</a:t>
-            </a:r>
-            <a:r>
-              <a:rPr lang="es-ES" sz="2000" dirty="0">
-                <a:solidFill>
-                  <a:schemeClr val="bg1"/>
-                </a:solidFill>
-                <a:latin typeface="Segoe UI" panose="020B0502040204020203" pitchFamily="34" charset="0"/>
-              </a:rPr>
-              <a:t>, a </a:t>
-            </a:r>
-            <a:r>
-              <a:rPr lang="es-ES" sz="2000" dirty="0" err="1">
-                <a:solidFill>
-                  <a:schemeClr val="bg1"/>
-                </a:solidFill>
-                <a:latin typeface="Segoe UI" panose="020B0502040204020203" pitchFamily="34" charset="0"/>
-              </a:rPr>
-              <a:t>sollicitudin</a:t>
-            </a:r>
-            <a:r>
-              <a:rPr lang="es-ES" sz="2000" dirty="0">
-                <a:solidFill>
-                  <a:schemeClr val="bg1"/>
-                </a:solidFill>
-                <a:latin typeface="Segoe UI" panose="020B0502040204020203" pitchFamily="34" charset="0"/>
-              </a:rPr>
-              <a:t> </a:t>
-            </a:r>
-            <a:r>
-              <a:rPr lang="es-ES" sz="2000" dirty="0" err="1">
-                <a:solidFill>
-                  <a:schemeClr val="bg1"/>
-                </a:solidFill>
-                <a:latin typeface="Segoe UI" panose="020B0502040204020203" pitchFamily="34" charset="0"/>
-              </a:rPr>
-              <a:t>arcu</a:t>
-            </a:r>
-            <a:r>
-              <a:rPr lang="es-ES" sz="2000" dirty="0">
-                <a:solidFill>
-                  <a:schemeClr val="bg1"/>
-                </a:solidFill>
-                <a:latin typeface="Segoe UI" panose="020B0502040204020203" pitchFamily="34" charset="0"/>
-              </a:rPr>
-              <a:t> </a:t>
-            </a:r>
-            <a:r>
-              <a:rPr lang="es-ES" sz="2000" dirty="0" err="1">
-                <a:solidFill>
-                  <a:schemeClr val="bg1"/>
-                </a:solidFill>
-                <a:latin typeface="Segoe UI" panose="020B0502040204020203" pitchFamily="34" charset="0"/>
-              </a:rPr>
-              <a:t>fermentum</a:t>
-            </a:r>
-            <a:r>
-              <a:rPr lang="es-ES" sz="2000" dirty="0">
-                <a:solidFill>
-                  <a:schemeClr val="bg1"/>
-                </a:solidFill>
-                <a:latin typeface="Segoe UI" panose="020B0502040204020203" pitchFamily="34" charset="0"/>
-              </a:rPr>
-              <a:t> non. </a:t>
-            </a:r>
-            <a:r>
-              <a:rPr lang="es-ES" sz="2000" dirty="0" err="1">
-                <a:solidFill>
-                  <a:schemeClr val="bg1"/>
-                </a:solidFill>
-                <a:latin typeface="Segoe UI" panose="020B0502040204020203" pitchFamily="34" charset="0"/>
-              </a:rPr>
-              <a:t>Donec</a:t>
-            </a:r>
-            <a:r>
-              <a:rPr lang="es-ES" sz="2000" dirty="0">
-                <a:solidFill>
-                  <a:schemeClr val="bg1"/>
-                </a:solidFill>
-                <a:latin typeface="Segoe UI" panose="020B0502040204020203" pitchFamily="34" charset="0"/>
-              </a:rPr>
-              <a:t> </a:t>
-            </a:r>
-            <a:r>
-              <a:rPr lang="es-ES" sz="2000" dirty="0" err="1">
-                <a:solidFill>
-                  <a:schemeClr val="bg1"/>
-                </a:solidFill>
-                <a:latin typeface="Segoe UI" panose="020B0502040204020203" pitchFamily="34" charset="0"/>
-              </a:rPr>
-              <a:t>euismod</a:t>
-            </a:r>
-            <a:r>
-              <a:rPr lang="es-ES" sz="2000" dirty="0">
-                <a:solidFill>
-                  <a:schemeClr val="bg1"/>
-                </a:solidFill>
-                <a:latin typeface="Segoe UI" panose="020B0502040204020203" pitchFamily="34" charset="0"/>
-              </a:rPr>
-              <a:t>, </a:t>
-            </a:r>
-            <a:r>
-              <a:rPr lang="es-ES" sz="2000" dirty="0" err="1">
-                <a:solidFill>
-                  <a:schemeClr val="bg1"/>
-                </a:solidFill>
-                <a:latin typeface="Segoe UI" panose="020B0502040204020203" pitchFamily="34" charset="0"/>
-              </a:rPr>
-              <a:t>ligula</a:t>
-            </a:r>
-            <a:r>
-              <a:rPr lang="es-ES" sz="2000" dirty="0">
-                <a:solidFill>
-                  <a:schemeClr val="bg1"/>
-                </a:solidFill>
-                <a:latin typeface="Segoe UI" panose="020B0502040204020203" pitchFamily="34" charset="0"/>
-              </a:rPr>
-              <a:t> sed </a:t>
-            </a:r>
-            <a:r>
-              <a:rPr lang="es-ES" sz="2000" dirty="0" err="1">
-                <a:solidFill>
-                  <a:schemeClr val="bg1"/>
-                </a:solidFill>
-                <a:latin typeface="Segoe UI" panose="020B0502040204020203" pitchFamily="34" charset="0"/>
-              </a:rPr>
-              <a:t>efficitur</a:t>
-            </a:r>
-            <a:r>
-              <a:rPr lang="es-ES" sz="2000" dirty="0">
-                <a:solidFill>
-                  <a:schemeClr val="bg1"/>
-                </a:solidFill>
-                <a:latin typeface="Segoe UI" panose="020B0502040204020203" pitchFamily="34" charset="0"/>
-              </a:rPr>
-              <a:t> ornare, </a:t>
-            </a:r>
-            <a:r>
-              <a:rPr lang="es-ES" sz="2000" dirty="0" err="1">
-                <a:solidFill>
-                  <a:schemeClr val="bg1"/>
-                </a:solidFill>
-                <a:latin typeface="Segoe UI" panose="020B0502040204020203" pitchFamily="34" charset="0"/>
-              </a:rPr>
-              <a:t>lacus</a:t>
-            </a:r>
-            <a:r>
-              <a:rPr lang="es-ES" sz="2000" dirty="0">
-                <a:solidFill>
-                  <a:schemeClr val="bg1"/>
-                </a:solidFill>
-                <a:latin typeface="Segoe UI" panose="020B0502040204020203" pitchFamily="34" charset="0"/>
-              </a:rPr>
-              <a:t> </a:t>
-            </a:r>
-            <a:r>
-              <a:rPr lang="es-ES" sz="2000" dirty="0" err="1">
-                <a:solidFill>
-                  <a:schemeClr val="bg1"/>
-                </a:solidFill>
-                <a:latin typeface="Segoe UI" panose="020B0502040204020203" pitchFamily="34" charset="0"/>
-              </a:rPr>
-              <a:t>erat</a:t>
-            </a:r>
-            <a:r>
-              <a:rPr lang="es-ES" sz="2000" dirty="0">
-                <a:solidFill>
-                  <a:schemeClr val="bg1"/>
-                </a:solidFill>
-                <a:latin typeface="Segoe UI" panose="020B0502040204020203" pitchFamily="34" charset="0"/>
-              </a:rPr>
-              <a:t> </a:t>
-            </a:r>
-            <a:r>
-              <a:rPr lang="es-ES" sz="2000" dirty="0" err="1">
-                <a:solidFill>
-                  <a:schemeClr val="bg1"/>
-                </a:solidFill>
-                <a:latin typeface="Segoe UI" panose="020B0502040204020203" pitchFamily="34" charset="0"/>
-              </a:rPr>
-              <a:t>dapibus</a:t>
-            </a:r>
-            <a:r>
-              <a:rPr lang="es-ES" sz="2000" dirty="0">
-                <a:solidFill>
-                  <a:schemeClr val="bg1"/>
-                </a:solidFill>
-                <a:latin typeface="Segoe UI" panose="020B0502040204020203" pitchFamily="34" charset="0"/>
-              </a:rPr>
-              <a:t> </a:t>
-            </a:r>
-            <a:r>
-              <a:rPr lang="es-ES" sz="2000" dirty="0" err="1">
-                <a:solidFill>
-                  <a:schemeClr val="bg1"/>
-                </a:solidFill>
-                <a:latin typeface="Segoe UI" panose="020B0502040204020203" pitchFamily="34" charset="0"/>
-              </a:rPr>
-              <a:t>sapien</a:t>
-            </a:r>
-            <a:r>
-              <a:rPr lang="es-ES" sz="2000" dirty="0">
-                <a:solidFill>
-                  <a:schemeClr val="bg1"/>
-                </a:solidFill>
-                <a:latin typeface="Segoe UI" panose="020B0502040204020203" pitchFamily="34" charset="0"/>
-              </a:rPr>
-              <a:t>, ac </a:t>
-            </a:r>
-            <a:r>
-              <a:rPr lang="es-ES" sz="2000" dirty="0" err="1">
-                <a:solidFill>
-                  <a:schemeClr val="bg1"/>
-                </a:solidFill>
-                <a:latin typeface="Segoe UI" panose="020B0502040204020203" pitchFamily="34" charset="0"/>
-              </a:rPr>
-              <a:t>gravida</a:t>
-            </a:r>
-            <a:r>
-              <a:rPr lang="es-ES" sz="2000" dirty="0">
-                <a:solidFill>
-                  <a:schemeClr val="bg1"/>
-                </a:solidFill>
-                <a:latin typeface="Segoe UI" panose="020B0502040204020203" pitchFamily="34" charset="0"/>
-              </a:rPr>
-              <a:t> </a:t>
-            </a:r>
-            <a:r>
-              <a:rPr lang="es-ES" sz="2000" dirty="0" err="1">
-                <a:solidFill>
-                  <a:schemeClr val="bg1"/>
-                </a:solidFill>
-                <a:latin typeface="Segoe UI" panose="020B0502040204020203" pitchFamily="34" charset="0"/>
-              </a:rPr>
-              <a:t>lectus</a:t>
-            </a:r>
-            <a:r>
-              <a:rPr lang="es-ES" sz="2000" dirty="0">
-                <a:solidFill>
-                  <a:schemeClr val="bg1"/>
-                </a:solidFill>
-                <a:latin typeface="Segoe UI" panose="020B0502040204020203" pitchFamily="34" charset="0"/>
-              </a:rPr>
-              <a:t> ante ac </a:t>
-            </a:r>
-            <a:r>
-              <a:rPr lang="es-ES" sz="2000" dirty="0" err="1">
-                <a:solidFill>
-                  <a:schemeClr val="bg1"/>
-                </a:solidFill>
-                <a:latin typeface="Segoe UI" panose="020B0502040204020203" pitchFamily="34" charset="0"/>
-              </a:rPr>
-              <a:t>nisi</a:t>
-            </a:r>
-            <a:r>
-              <a:rPr lang="es-ES" sz="2000" dirty="0">
-                <a:solidFill>
-                  <a:schemeClr val="bg1"/>
-                </a:solidFill>
-                <a:latin typeface="Segoe UI" panose="020B0502040204020203" pitchFamily="34" charset="0"/>
-              </a:rPr>
-              <a:t>. </a:t>
-            </a:r>
-            <a:r>
-              <a:rPr lang="es-ES" sz="2000" dirty="0" err="1">
-                <a:solidFill>
-                  <a:schemeClr val="bg1"/>
-                </a:solidFill>
-                <a:latin typeface="Segoe UI" panose="020B0502040204020203" pitchFamily="34" charset="0"/>
-              </a:rPr>
-              <a:t>Suspendisse</a:t>
-            </a:r>
-            <a:r>
-              <a:rPr lang="es-ES" sz="2000" dirty="0">
-                <a:solidFill>
-                  <a:schemeClr val="bg1"/>
-                </a:solidFill>
-                <a:latin typeface="Segoe UI" panose="020B0502040204020203" pitchFamily="34" charset="0"/>
-              </a:rPr>
-              <a:t> </a:t>
-            </a:r>
-            <a:r>
-              <a:rPr lang="es-ES" sz="2000" dirty="0" err="1">
-                <a:solidFill>
-                  <a:schemeClr val="bg1"/>
-                </a:solidFill>
-                <a:latin typeface="Segoe UI" panose="020B0502040204020203" pitchFamily="34" charset="0"/>
-              </a:rPr>
-              <a:t>laoreet</a:t>
-            </a:r>
-            <a:r>
-              <a:rPr lang="es-ES" sz="2000" dirty="0">
-                <a:solidFill>
-                  <a:schemeClr val="bg1"/>
-                </a:solidFill>
-                <a:latin typeface="Segoe UI" panose="020B0502040204020203" pitchFamily="34" charset="0"/>
-              </a:rPr>
-              <a:t> </a:t>
-            </a:r>
-            <a:r>
-              <a:rPr lang="es-ES" sz="2000" dirty="0" err="1">
-                <a:solidFill>
-                  <a:schemeClr val="bg1"/>
-                </a:solidFill>
-                <a:latin typeface="Segoe UI" panose="020B0502040204020203" pitchFamily="34" charset="0"/>
-              </a:rPr>
-              <a:t>pretium</a:t>
-            </a:r>
-            <a:r>
-              <a:rPr lang="es-ES" sz="2000" dirty="0">
-                <a:solidFill>
-                  <a:schemeClr val="bg1"/>
-                </a:solidFill>
-                <a:latin typeface="Segoe UI" panose="020B0502040204020203" pitchFamily="34" charset="0"/>
-              </a:rPr>
-              <a:t> ornare. </a:t>
-            </a:r>
-            <a:r>
-              <a:rPr lang="es-ES" sz="2000" dirty="0" err="1">
-                <a:solidFill>
-                  <a:schemeClr val="bg1"/>
-                </a:solidFill>
-                <a:latin typeface="Segoe UI" panose="020B0502040204020203" pitchFamily="34" charset="0"/>
-              </a:rPr>
-              <a:t>Donec</a:t>
-            </a:r>
-            <a:r>
-              <a:rPr lang="es-ES" sz="2000" dirty="0">
-                <a:solidFill>
-                  <a:schemeClr val="bg1"/>
-                </a:solidFill>
-                <a:latin typeface="Segoe UI" panose="020B0502040204020203" pitchFamily="34" charset="0"/>
-              </a:rPr>
-              <a:t> </a:t>
-            </a:r>
-            <a:r>
-              <a:rPr lang="es-ES" sz="2000" dirty="0" err="1">
-                <a:solidFill>
-                  <a:schemeClr val="bg1"/>
-                </a:solidFill>
-                <a:latin typeface="Segoe UI" panose="020B0502040204020203" pitchFamily="34" charset="0"/>
-              </a:rPr>
-              <a:t>fringilla</a:t>
-            </a:r>
-            <a:r>
-              <a:rPr lang="es-ES" sz="2000" dirty="0">
-                <a:solidFill>
-                  <a:schemeClr val="bg1"/>
-                </a:solidFill>
-                <a:latin typeface="Segoe UI" panose="020B0502040204020203" pitchFamily="34" charset="0"/>
-              </a:rPr>
-              <a:t> non odio </a:t>
-            </a:r>
-            <a:r>
-              <a:rPr lang="es-ES" sz="2000" dirty="0" err="1">
-                <a:solidFill>
-                  <a:schemeClr val="bg1"/>
-                </a:solidFill>
-                <a:latin typeface="Segoe UI" panose="020B0502040204020203" pitchFamily="34" charset="0"/>
-              </a:rPr>
-              <a:t>nec</a:t>
-            </a:r>
-            <a:r>
-              <a:rPr lang="es-ES" sz="2000" dirty="0">
-                <a:solidFill>
-                  <a:schemeClr val="bg1"/>
-                </a:solidFill>
-                <a:latin typeface="Segoe UI" panose="020B0502040204020203" pitchFamily="34" charset="0"/>
-              </a:rPr>
-              <a:t> </a:t>
-            </a:r>
-            <a:r>
-              <a:rPr lang="es-ES" sz="2000" dirty="0" err="1">
-                <a:solidFill>
-                  <a:schemeClr val="bg1"/>
-                </a:solidFill>
-                <a:latin typeface="Segoe UI" panose="020B0502040204020203" pitchFamily="34" charset="0"/>
-              </a:rPr>
-              <a:t>molestie</a:t>
-            </a:r>
-            <a:r>
-              <a:rPr lang="es-ES" sz="2000" dirty="0">
-                <a:solidFill>
-                  <a:schemeClr val="bg1"/>
-                </a:solidFill>
-                <a:latin typeface="Segoe UI" panose="020B0502040204020203" pitchFamily="34" charset="0"/>
-              </a:rPr>
-              <a:t>. </a:t>
-            </a:r>
-            <a:r>
-              <a:rPr lang="es-ES" sz="2000" dirty="0" err="1">
-                <a:solidFill>
-                  <a:schemeClr val="bg1"/>
-                </a:solidFill>
-                <a:latin typeface="Segoe UI" panose="020B0502040204020203" pitchFamily="34" charset="0"/>
-              </a:rPr>
-              <a:t>Nulla</a:t>
-            </a:r>
-            <a:r>
-              <a:rPr lang="es-ES" sz="2000" dirty="0">
-                <a:solidFill>
-                  <a:schemeClr val="bg1"/>
-                </a:solidFill>
-                <a:latin typeface="Segoe UI" panose="020B0502040204020203" pitchFamily="34" charset="0"/>
-              </a:rPr>
-              <a:t> </a:t>
-            </a:r>
-            <a:r>
-              <a:rPr lang="es-ES" sz="2000" dirty="0" err="1">
-                <a:solidFill>
-                  <a:schemeClr val="bg1"/>
-                </a:solidFill>
-                <a:latin typeface="Segoe UI" panose="020B0502040204020203" pitchFamily="34" charset="0"/>
-              </a:rPr>
-              <a:t>hendrerit</a:t>
-            </a:r>
-            <a:r>
-              <a:rPr lang="es-ES" sz="2000" dirty="0">
-                <a:solidFill>
-                  <a:schemeClr val="bg1"/>
-                </a:solidFill>
-                <a:latin typeface="Segoe UI" panose="020B0502040204020203" pitchFamily="34" charset="0"/>
-              </a:rPr>
-              <a:t> </a:t>
-            </a:r>
-            <a:r>
-              <a:rPr lang="es-ES" sz="2000" dirty="0" err="1">
-                <a:solidFill>
-                  <a:schemeClr val="bg1"/>
-                </a:solidFill>
-                <a:latin typeface="Segoe UI" panose="020B0502040204020203" pitchFamily="34" charset="0"/>
-              </a:rPr>
-              <a:t>consequat</a:t>
-            </a:r>
-            <a:r>
-              <a:rPr lang="es-ES" sz="2000" dirty="0">
-                <a:solidFill>
-                  <a:schemeClr val="bg1"/>
-                </a:solidFill>
-                <a:latin typeface="Segoe UI" panose="020B0502040204020203" pitchFamily="34" charset="0"/>
-              </a:rPr>
-              <a:t> </a:t>
-            </a:r>
-            <a:r>
-              <a:rPr lang="es-ES" sz="2000" dirty="0" err="1">
-                <a:solidFill>
-                  <a:schemeClr val="bg1"/>
-                </a:solidFill>
-                <a:latin typeface="Segoe UI" panose="020B0502040204020203" pitchFamily="34" charset="0"/>
-              </a:rPr>
-              <a:t>tellus</a:t>
-            </a:r>
-            <a:r>
-              <a:rPr lang="es-ES" sz="2000" dirty="0">
-                <a:solidFill>
-                  <a:schemeClr val="bg1"/>
-                </a:solidFill>
-                <a:latin typeface="Segoe UI" panose="020B0502040204020203" pitchFamily="34" charset="0"/>
-              </a:rPr>
-              <a:t> </a:t>
-            </a:r>
-            <a:r>
-              <a:rPr lang="es-ES" sz="2000" dirty="0" err="1">
-                <a:solidFill>
-                  <a:schemeClr val="bg1"/>
-                </a:solidFill>
-                <a:latin typeface="Segoe UI" panose="020B0502040204020203" pitchFamily="34" charset="0"/>
-              </a:rPr>
-              <a:t>fringilla</a:t>
-            </a:r>
-            <a:r>
-              <a:rPr lang="es-ES" sz="2000" dirty="0">
-                <a:solidFill>
-                  <a:schemeClr val="bg1"/>
-                </a:solidFill>
-                <a:latin typeface="Segoe UI" panose="020B0502040204020203" pitchFamily="34" charset="0"/>
-              </a:rPr>
-              <a:t> </a:t>
-            </a:r>
-            <a:r>
-              <a:rPr lang="es-ES" sz="2000" dirty="0" err="1">
-                <a:solidFill>
-                  <a:schemeClr val="bg1"/>
-                </a:solidFill>
-                <a:latin typeface="Segoe UI" panose="020B0502040204020203" pitchFamily="34" charset="0"/>
-              </a:rPr>
-              <a:t>laoreet</a:t>
-            </a:r>
-            <a:r>
-              <a:rPr lang="es-ES" sz="2000" dirty="0">
-                <a:solidFill>
-                  <a:schemeClr val="bg1"/>
-                </a:solidFill>
-                <a:latin typeface="Segoe UI" panose="020B0502040204020203" pitchFamily="34" charset="0"/>
-              </a:rPr>
-              <a:t>. </a:t>
-            </a:r>
-            <a:r>
-              <a:rPr lang="es-ES" sz="2000" dirty="0" err="1">
-                <a:solidFill>
-                  <a:schemeClr val="bg1"/>
-                </a:solidFill>
-                <a:latin typeface="Segoe UI" panose="020B0502040204020203" pitchFamily="34" charset="0"/>
-              </a:rPr>
-              <a:t>Phasellus</a:t>
-            </a:r>
-            <a:r>
-              <a:rPr lang="es-ES" sz="2000" dirty="0">
-                <a:solidFill>
-                  <a:schemeClr val="bg1"/>
-                </a:solidFill>
-                <a:latin typeface="Segoe UI" panose="020B0502040204020203" pitchFamily="34" charset="0"/>
-              </a:rPr>
-              <a:t> </a:t>
-            </a:r>
-            <a:r>
-              <a:rPr lang="es-ES" sz="2000" dirty="0" err="1">
-                <a:solidFill>
-                  <a:schemeClr val="bg1"/>
-                </a:solidFill>
-                <a:latin typeface="Segoe UI" panose="020B0502040204020203" pitchFamily="34" charset="0"/>
-              </a:rPr>
-              <a:t>blandit</a:t>
-            </a:r>
-            <a:r>
-              <a:rPr lang="es-ES" sz="2000" dirty="0">
-                <a:solidFill>
-                  <a:schemeClr val="bg1"/>
-                </a:solidFill>
-                <a:latin typeface="Segoe UI" panose="020B0502040204020203" pitchFamily="34" charset="0"/>
-              </a:rPr>
-              <a:t> </a:t>
-            </a:r>
-            <a:r>
-              <a:rPr lang="es-ES" sz="2000" dirty="0" err="1">
-                <a:solidFill>
-                  <a:schemeClr val="bg1"/>
-                </a:solidFill>
-                <a:latin typeface="Segoe UI" panose="020B0502040204020203" pitchFamily="34" charset="0"/>
-              </a:rPr>
-              <a:t>bibendum</a:t>
-            </a:r>
-            <a:r>
-              <a:rPr lang="es-ES" sz="2000" dirty="0">
-                <a:solidFill>
-                  <a:schemeClr val="bg1"/>
-                </a:solidFill>
-                <a:latin typeface="Segoe UI" panose="020B0502040204020203" pitchFamily="34" charset="0"/>
-              </a:rPr>
-              <a:t> </a:t>
-            </a:r>
-            <a:r>
-              <a:rPr lang="es-ES" sz="2000" dirty="0" err="1">
-                <a:solidFill>
-                  <a:schemeClr val="bg1"/>
-                </a:solidFill>
-                <a:latin typeface="Segoe UI" panose="020B0502040204020203" pitchFamily="34" charset="0"/>
-              </a:rPr>
-              <a:t>luctus</a:t>
-            </a:r>
-            <a:r>
-              <a:rPr lang="es-ES" sz="2000" dirty="0">
-                <a:solidFill>
-                  <a:schemeClr val="bg1"/>
-                </a:solidFill>
-                <a:latin typeface="Segoe UI" panose="020B0502040204020203" pitchFamily="34" charset="0"/>
-              </a:rPr>
-              <a:t>. </a:t>
-            </a:r>
-            <a:r>
-              <a:rPr lang="es-ES" sz="2000" dirty="0" err="1">
-                <a:solidFill>
-                  <a:schemeClr val="bg1"/>
-                </a:solidFill>
-                <a:latin typeface="Segoe UI" panose="020B0502040204020203" pitchFamily="34" charset="0"/>
-              </a:rPr>
-              <a:t>Etiam</a:t>
-            </a:r>
-            <a:r>
-              <a:rPr lang="es-ES" sz="2000" dirty="0">
-                <a:solidFill>
-                  <a:schemeClr val="bg1"/>
-                </a:solidFill>
-                <a:latin typeface="Segoe UI" panose="020B0502040204020203" pitchFamily="34" charset="0"/>
-              </a:rPr>
-              <a:t> </a:t>
-            </a:r>
-            <a:r>
-              <a:rPr lang="es-ES" sz="2000" dirty="0" err="1">
-                <a:solidFill>
-                  <a:schemeClr val="bg1"/>
-                </a:solidFill>
-                <a:latin typeface="Segoe UI" panose="020B0502040204020203" pitchFamily="34" charset="0"/>
-              </a:rPr>
-              <a:t>consequat</a:t>
-            </a:r>
-            <a:r>
-              <a:rPr lang="es-ES" sz="2000" dirty="0">
-                <a:solidFill>
-                  <a:schemeClr val="bg1"/>
-                </a:solidFill>
-                <a:latin typeface="Segoe UI" panose="020B0502040204020203" pitchFamily="34" charset="0"/>
-              </a:rPr>
-              <a:t> </a:t>
-            </a:r>
-            <a:r>
-              <a:rPr lang="es-ES" sz="2000" dirty="0" err="1">
-                <a:solidFill>
-                  <a:schemeClr val="bg1"/>
-                </a:solidFill>
-                <a:latin typeface="Segoe UI" panose="020B0502040204020203" pitchFamily="34" charset="0"/>
-              </a:rPr>
-              <a:t>diam</a:t>
-            </a:r>
-            <a:r>
-              <a:rPr lang="es-ES" sz="2000" dirty="0">
-                <a:solidFill>
-                  <a:schemeClr val="bg1"/>
-                </a:solidFill>
-                <a:latin typeface="Segoe UI" panose="020B0502040204020203" pitchFamily="34" charset="0"/>
-              </a:rPr>
-              <a:t> </a:t>
-            </a:r>
-            <a:r>
-              <a:rPr lang="es-ES" sz="2000" dirty="0" err="1">
-                <a:solidFill>
-                  <a:schemeClr val="bg1"/>
-                </a:solidFill>
-                <a:latin typeface="Segoe UI" panose="020B0502040204020203" pitchFamily="34" charset="0"/>
-              </a:rPr>
-              <a:t>eu</a:t>
-            </a:r>
-            <a:r>
-              <a:rPr lang="es-ES" sz="2000" dirty="0">
-                <a:solidFill>
-                  <a:schemeClr val="bg1"/>
-                </a:solidFill>
-                <a:latin typeface="Segoe UI" panose="020B0502040204020203" pitchFamily="34" charset="0"/>
-              </a:rPr>
-              <a:t> porta </a:t>
-            </a:r>
-            <a:r>
-              <a:rPr lang="es-ES" sz="2000" dirty="0" err="1">
-                <a:solidFill>
-                  <a:schemeClr val="bg1"/>
-                </a:solidFill>
-                <a:latin typeface="Segoe UI" panose="020B0502040204020203" pitchFamily="34" charset="0"/>
-              </a:rPr>
-              <a:t>porta</a:t>
-            </a:r>
-            <a:r>
-              <a:rPr lang="es-ES" sz="2000" dirty="0">
-                <a:solidFill>
-                  <a:schemeClr val="bg1"/>
-                </a:solidFill>
-                <a:latin typeface="Segoe UI" panose="020B0502040204020203" pitchFamily="34" charset="0"/>
-              </a:rPr>
-              <a:t>. Cras </a:t>
-            </a:r>
-            <a:r>
-              <a:rPr lang="es-ES" sz="2000" dirty="0" err="1">
-                <a:solidFill>
-                  <a:schemeClr val="bg1"/>
-                </a:solidFill>
-                <a:latin typeface="Segoe UI" panose="020B0502040204020203" pitchFamily="34" charset="0"/>
-              </a:rPr>
-              <a:t>sit</a:t>
-            </a:r>
-            <a:r>
-              <a:rPr lang="es-ES" sz="2000" dirty="0">
-                <a:solidFill>
-                  <a:schemeClr val="bg1"/>
-                </a:solidFill>
-                <a:latin typeface="Segoe UI" panose="020B0502040204020203" pitchFamily="34" charset="0"/>
-              </a:rPr>
-              <a:t> </a:t>
-            </a:r>
-            <a:r>
-              <a:rPr lang="es-ES" sz="2000" dirty="0" err="1">
-                <a:solidFill>
-                  <a:schemeClr val="bg1"/>
-                </a:solidFill>
-                <a:latin typeface="Segoe UI" panose="020B0502040204020203" pitchFamily="34" charset="0"/>
-              </a:rPr>
-              <a:t>amet</a:t>
-            </a:r>
-            <a:r>
-              <a:rPr lang="es-ES" sz="2000" dirty="0">
-                <a:solidFill>
-                  <a:schemeClr val="bg1"/>
-                </a:solidFill>
-                <a:latin typeface="Segoe UI" panose="020B0502040204020203" pitchFamily="34" charset="0"/>
-              </a:rPr>
-              <a:t> porta </a:t>
-            </a:r>
-            <a:r>
-              <a:rPr lang="es-ES" sz="2000" dirty="0" err="1">
-                <a:solidFill>
-                  <a:schemeClr val="bg1"/>
-                </a:solidFill>
-                <a:latin typeface="Segoe UI" panose="020B0502040204020203" pitchFamily="34" charset="0"/>
-              </a:rPr>
-              <a:t>est</a:t>
-            </a:r>
-            <a:r>
-              <a:rPr lang="es-ES" sz="2000" dirty="0">
-                <a:solidFill>
-                  <a:schemeClr val="bg1"/>
-                </a:solidFill>
-                <a:latin typeface="Segoe UI" panose="020B0502040204020203" pitchFamily="34" charset="0"/>
-              </a:rPr>
-              <a:t>. </a:t>
-            </a:r>
-            <a:r>
-              <a:rPr lang="es-ES" sz="2000" dirty="0" err="1">
-                <a:solidFill>
-                  <a:schemeClr val="bg1"/>
-                </a:solidFill>
-                <a:latin typeface="Segoe UI" panose="020B0502040204020203" pitchFamily="34" charset="0"/>
-              </a:rPr>
-              <a:t>Class</a:t>
-            </a:r>
-            <a:r>
-              <a:rPr lang="es-ES" sz="2000" dirty="0">
-                <a:solidFill>
-                  <a:schemeClr val="bg1"/>
-                </a:solidFill>
-                <a:latin typeface="Segoe UI" panose="020B0502040204020203" pitchFamily="34" charset="0"/>
-              </a:rPr>
-              <a:t> </a:t>
-            </a:r>
-            <a:r>
-              <a:rPr lang="es-ES" sz="2000" dirty="0" err="1">
-                <a:solidFill>
-                  <a:schemeClr val="bg1"/>
-                </a:solidFill>
-                <a:latin typeface="Segoe UI" panose="020B0502040204020203" pitchFamily="34" charset="0"/>
-              </a:rPr>
-              <a:t>aptent</a:t>
-            </a:r>
-            <a:r>
-              <a:rPr lang="es-ES" sz="2000" dirty="0">
-                <a:solidFill>
-                  <a:schemeClr val="bg1"/>
-                </a:solidFill>
-                <a:latin typeface="Segoe UI" panose="020B0502040204020203" pitchFamily="34" charset="0"/>
-              </a:rPr>
-              <a:t> </a:t>
-            </a:r>
-            <a:r>
-              <a:rPr lang="es-ES" sz="2000" dirty="0" err="1">
-                <a:solidFill>
-                  <a:schemeClr val="bg1"/>
-                </a:solidFill>
-                <a:latin typeface="Segoe UI" panose="020B0502040204020203" pitchFamily="34" charset="0"/>
-              </a:rPr>
-              <a:t>taciti</a:t>
-            </a:r>
-            <a:r>
-              <a:rPr lang="es-ES" sz="2000" dirty="0">
-                <a:solidFill>
-                  <a:schemeClr val="bg1"/>
-                </a:solidFill>
-                <a:latin typeface="Segoe UI" panose="020B0502040204020203" pitchFamily="34" charset="0"/>
-              </a:rPr>
-              <a:t> </a:t>
-            </a:r>
-            <a:r>
-              <a:rPr lang="es-ES" sz="2000" dirty="0" err="1">
-                <a:solidFill>
-                  <a:schemeClr val="bg1"/>
-                </a:solidFill>
-                <a:latin typeface="Segoe UI" panose="020B0502040204020203" pitchFamily="34" charset="0"/>
-              </a:rPr>
-              <a:t>sociosqu</a:t>
-            </a:r>
-            <a:r>
-              <a:rPr lang="es-ES" sz="2000" dirty="0">
-                <a:solidFill>
-                  <a:schemeClr val="bg1"/>
-                </a:solidFill>
-                <a:latin typeface="Segoe UI" panose="020B0502040204020203" pitchFamily="34" charset="0"/>
-              </a:rPr>
-              <a:t> ad </a:t>
-            </a:r>
-            <a:r>
-              <a:rPr lang="es-ES" sz="2000" dirty="0" err="1">
-                <a:solidFill>
-                  <a:schemeClr val="bg1"/>
-                </a:solidFill>
-                <a:latin typeface="Segoe UI" panose="020B0502040204020203" pitchFamily="34" charset="0"/>
-              </a:rPr>
-              <a:t>litora</a:t>
-            </a:r>
-            <a:r>
-              <a:rPr lang="es-ES" sz="2000" dirty="0">
-                <a:solidFill>
-                  <a:schemeClr val="bg1"/>
-                </a:solidFill>
-                <a:latin typeface="Segoe UI" panose="020B0502040204020203" pitchFamily="34" charset="0"/>
-              </a:rPr>
-              <a:t> </a:t>
-            </a:r>
-            <a:r>
-              <a:rPr lang="es-ES" sz="2000" dirty="0" err="1">
-                <a:solidFill>
-                  <a:schemeClr val="bg1"/>
-                </a:solidFill>
-                <a:latin typeface="Segoe UI" panose="020B0502040204020203" pitchFamily="34" charset="0"/>
-              </a:rPr>
-              <a:t>torquent</a:t>
-            </a:r>
-            <a:r>
-              <a:rPr lang="es-ES" sz="2000" dirty="0">
-                <a:solidFill>
-                  <a:schemeClr val="bg1"/>
-                </a:solidFill>
-                <a:latin typeface="Segoe UI" panose="020B0502040204020203" pitchFamily="34" charset="0"/>
-              </a:rPr>
-              <a:t> per </a:t>
-            </a:r>
-            <a:r>
-              <a:rPr lang="es-ES" sz="2000" dirty="0" err="1">
-                <a:solidFill>
-                  <a:schemeClr val="bg1"/>
-                </a:solidFill>
-                <a:latin typeface="Segoe UI" panose="020B0502040204020203" pitchFamily="34" charset="0"/>
-              </a:rPr>
-              <a:t>conubia</a:t>
-            </a:r>
-            <a:r>
-              <a:rPr lang="es-ES" sz="2000" dirty="0">
-                <a:solidFill>
-                  <a:schemeClr val="bg1"/>
-                </a:solidFill>
-                <a:latin typeface="Segoe UI" panose="020B0502040204020203" pitchFamily="34" charset="0"/>
-              </a:rPr>
-              <a:t> </a:t>
-            </a:r>
-            <a:r>
-              <a:rPr lang="es-ES" sz="2000" dirty="0" err="1">
-                <a:solidFill>
-                  <a:schemeClr val="bg1"/>
-                </a:solidFill>
-                <a:latin typeface="Segoe UI" panose="020B0502040204020203" pitchFamily="34" charset="0"/>
-              </a:rPr>
-              <a:t>nostra</a:t>
-            </a:r>
-            <a:r>
-              <a:rPr lang="es-ES" sz="2000" dirty="0">
-                <a:solidFill>
-                  <a:schemeClr val="bg1"/>
-                </a:solidFill>
-                <a:latin typeface="Segoe UI" panose="020B0502040204020203" pitchFamily="34" charset="0"/>
-              </a:rPr>
-              <a:t>, per </a:t>
-            </a:r>
-            <a:r>
-              <a:rPr lang="es-ES" sz="2000" dirty="0" err="1">
-                <a:solidFill>
-                  <a:schemeClr val="bg1"/>
-                </a:solidFill>
-                <a:latin typeface="Segoe UI" panose="020B0502040204020203" pitchFamily="34" charset="0"/>
-              </a:rPr>
-              <a:t>inceptos</a:t>
-            </a:r>
-            <a:r>
-              <a:rPr lang="es-ES" sz="2000" dirty="0">
-                <a:solidFill>
-                  <a:schemeClr val="bg1"/>
-                </a:solidFill>
-                <a:latin typeface="Segoe UI" panose="020B0502040204020203" pitchFamily="34" charset="0"/>
-              </a:rPr>
-              <a:t> </a:t>
-            </a:r>
-            <a:r>
-              <a:rPr lang="es-ES" sz="2000" dirty="0" err="1">
-                <a:solidFill>
-                  <a:schemeClr val="bg1"/>
-                </a:solidFill>
-                <a:latin typeface="Segoe UI" panose="020B0502040204020203" pitchFamily="34" charset="0"/>
-              </a:rPr>
-              <a:t>himenaeos</a:t>
-            </a:r>
-            <a:r>
-              <a:rPr lang="es-ES" sz="2000" dirty="0">
-                <a:solidFill>
-                  <a:schemeClr val="bg1"/>
-                </a:solidFill>
-                <a:latin typeface="Segoe UI" panose="020B0502040204020203" pitchFamily="34" charset="0"/>
-              </a:rPr>
-              <a:t>. In non </a:t>
-            </a:r>
-            <a:r>
-              <a:rPr lang="es-ES" sz="2000" dirty="0" err="1">
-                <a:solidFill>
-                  <a:schemeClr val="bg1"/>
-                </a:solidFill>
-                <a:latin typeface="Segoe UI" panose="020B0502040204020203" pitchFamily="34" charset="0"/>
-              </a:rPr>
-              <a:t>ullamcorper</a:t>
-            </a:r>
-            <a:r>
-              <a:rPr lang="es-ES" sz="2000" dirty="0">
-                <a:solidFill>
-                  <a:schemeClr val="bg1"/>
-                </a:solidFill>
-                <a:latin typeface="Segoe UI" panose="020B0502040204020203" pitchFamily="34" charset="0"/>
-              </a:rPr>
-              <a:t> </a:t>
-            </a:r>
-            <a:r>
-              <a:rPr lang="es-ES" sz="2000" dirty="0" err="1">
-                <a:solidFill>
-                  <a:schemeClr val="bg1"/>
-                </a:solidFill>
-                <a:latin typeface="Segoe UI" panose="020B0502040204020203" pitchFamily="34" charset="0"/>
-              </a:rPr>
-              <a:t>nisi</a:t>
-            </a:r>
-            <a:r>
-              <a:rPr lang="es-ES" sz="2000" dirty="0">
-                <a:solidFill>
-                  <a:schemeClr val="bg1"/>
-                </a:solidFill>
-                <a:latin typeface="Segoe UI" panose="020B0502040204020203" pitchFamily="34" charset="0"/>
-              </a:rPr>
-              <a:t>.</a:t>
-            </a:r>
-            <a:endParaRPr lang="en-US" sz="2000" dirty="0">
-              <a:solidFill>
-                <a:schemeClr val="bg1"/>
-              </a:solidFill>
-              <a:latin typeface="Segoe UI" panose="020B0502040204020203" pitchFamily="34" charset="0"/>
-            </a:endParaRPr>
-          </a:p>
-        </p:txBody>
-      </p:sp>
-      <p:pic>
-        <p:nvPicPr>
-          <p:cNvPr id="6" name="Imagen 5">
-            <a:extLst>
-              <a:ext uri="{FF2B5EF4-FFF2-40B4-BE49-F238E27FC236}">
-                <a16:creationId xmlns:a16="http://schemas.microsoft.com/office/drawing/2014/main" id="{859B4854-72E3-7F37-EC6C-4C9B3229E573}"/>
-              </a:ext>
-            </a:extLst>
-          </p:cNvPr>
-          <p:cNvPicPr>
-            <a:picLocks noChangeAspect="1"/>
-          </p:cNvPicPr>
-          <p:nvPr/>
-        </p:nvPicPr>
-        <p:blipFill>
-          <a:blip r:embed="rId2">
-            <a:extLst>
-              <a:ext uri="{28A0092B-C50C-407E-A947-70E740481C1C}">
-                <a14:useLocalDpi xmlns:a14="http://schemas.microsoft.com/office/drawing/2010/main" val="0"/>
-              </a:ext>
-            </a:extLst>
-          </a:blip>
-          <a:stretch>
-            <a:fillRect/>
-          </a:stretch>
-        </p:blipFill>
-        <p:spPr>
-          <a:xfrm>
-            <a:off x="8749176" y="1493936"/>
-            <a:ext cx="3031051" cy="3438070"/>
-          </a:xfrm>
-          <a:prstGeom prst="rect">
-            <a:avLst/>
-          </a:prstGeom>
-        </p:spPr>
-      </p:pic>
-      <p:sp>
-        <p:nvSpPr>
-          <p:cNvPr id="7" name="TextBox 6">
-            <a:extLst>
-              <a:ext uri="{FF2B5EF4-FFF2-40B4-BE49-F238E27FC236}">
-                <a16:creationId xmlns:a16="http://schemas.microsoft.com/office/drawing/2014/main" id="{286FDA2C-BCF5-3A9B-2546-4DC1871F7174}"/>
-              </a:ext>
-            </a:extLst>
-          </p:cNvPr>
-          <p:cNvSpPr txBox="1"/>
-          <p:nvPr/>
-        </p:nvSpPr>
-        <p:spPr>
-          <a:xfrm>
-            <a:off x="120224" y="6396335"/>
-            <a:ext cx="1853291" cy="461665"/>
-          </a:xfrm>
-          <a:prstGeom prst="rect">
-            <a:avLst/>
-          </a:prstGeom>
-          <a:noFill/>
-        </p:spPr>
-        <p:txBody>
-          <a:bodyPr wrap="square">
-            <a:spAutoFit/>
-          </a:bodyPr>
-          <a:lstStyle/>
-          <a:p>
-            <a:r>
-              <a:rPr lang="es-ES" sz="2400" dirty="0">
-                <a:solidFill>
-                  <a:srgbClr val="682079"/>
-                </a:solidFill>
-                <a:latin typeface="+mn-lt"/>
-              </a:rPr>
-              <a:t>#netcoreconf</a:t>
-            </a:r>
-          </a:p>
-        </p:txBody>
-      </p:sp>
-      <p:pic>
-        <p:nvPicPr>
-          <p:cNvPr id="8" name="Imagen 11">
-            <a:extLst>
-              <a:ext uri="{FF2B5EF4-FFF2-40B4-BE49-F238E27FC236}">
-                <a16:creationId xmlns:a16="http://schemas.microsoft.com/office/drawing/2014/main" id="{41DB98AA-326B-25CC-84FD-331B5FFFFEF5}"/>
-              </a:ext>
-            </a:extLst>
-          </p:cNvPr>
-          <p:cNvPicPr>
-            <a:picLocks noChangeAspect="1"/>
-          </p:cNvPicPr>
-          <p:nvPr/>
-        </p:nvPicPr>
-        <p:blipFill>
-          <a:blip r:embed="rId2">
-            <a:extLst>
-              <a:ext uri="{28A0092B-C50C-407E-A947-70E740481C1C}">
-                <a14:useLocalDpi xmlns:a14="http://schemas.microsoft.com/office/drawing/2010/main" val="0"/>
-              </a:ext>
-            </a:extLst>
-          </a:blip>
-          <a:stretch>
-            <a:fillRect/>
-          </a:stretch>
-        </p:blipFill>
-        <p:spPr>
-          <a:xfrm>
-            <a:off x="11063614" y="5693557"/>
-            <a:ext cx="924339" cy="1048462"/>
-          </a:xfrm>
-          <a:prstGeom prst="rect">
-            <a:avLst/>
-          </a:prstGeom>
-        </p:spPr>
-      </p:pic>
-      <p:sp>
-        <p:nvSpPr>
-          <p:cNvPr id="9" name="CuadroTexto 2">
-            <a:extLst>
-              <a:ext uri="{FF2B5EF4-FFF2-40B4-BE49-F238E27FC236}">
-                <a16:creationId xmlns:a16="http://schemas.microsoft.com/office/drawing/2014/main" id="{386130F4-F8F3-EE40-AD56-63B084869997}"/>
-              </a:ext>
-            </a:extLst>
-          </p:cNvPr>
-          <p:cNvSpPr txBox="1"/>
-          <p:nvPr/>
-        </p:nvSpPr>
-        <p:spPr>
-          <a:xfrm rot="21065074">
-            <a:off x="11255327" y="6321355"/>
-            <a:ext cx="715483" cy="276999"/>
-          </a:xfrm>
-          <a:prstGeom prst="rect">
-            <a:avLst/>
-          </a:prstGeom>
-          <a:noFill/>
-        </p:spPr>
-        <p:txBody>
-          <a:bodyPr wrap="square" rtlCol="0">
-            <a:spAutoFit/>
-          </a:bodyPr>
-          <a:lstStyle/>
-          <a:p>
-            <a:r>
-              <a:rPr lang="es-ES" sz="1200" b="1" dirty="0">
-                <a:solidFill>
-                  <a:schemeClr val="bg1"/>
-                </a:solidFill>
-                <a:latin typeface="Trebuchet MS" panose="020B0603020202020204" pitchFamily="34" charset="0"/>
-              </a:rPr>
-              <a:t>2022</a:t>
-            </a:r>
-            <a:endParaRPr lang="es-ES" sz="2000" b="1" dirty="0">
-              <a:solidFill>
-                <a:schemeClr val="bg1"/>
-              </a:solidFill>
-              <a:latin typeface="Trebuchet MS" panose="020B0603020202020204" pitchFamily="34" charset="0"/>
-            </a:endParaRPr>
-          </a:p>
-        </p:txBody>
-      </p:sp>
-    </p:spTree>
-    <p:extLst>
-      <p:ext uri="{BB962C8B-B14F-4D97-AF65-F5344CB8AC3E}">
-        <p14:creationId xmlns:p14="http://schemas.microsoft.com/office/powerpoint/2010/main" val="2710276654"/>
-      </p:ext>
-    </p:extLst>
-  </p:cSld>
-  <p:clrMapOvr>
-    <a:masterClrMapping/>
-  </p:clrMapOvr>
-</p:sld>
-</file>
-
 <file path=ppt/slides/slide2.xml><?xml version="1.0" encoding="utf-8"?>
 <p:sld xmlns:a="http://schemas.openxmlformats.org/drawingml/2006/main" xmlns:r="http://schemas.openxmlformats.org/officeDocument/2006/relationships" xmlns:p="http://schemas.openxmlformats.org/presentationml/2006/main">
   <p:cSld>
@@ -13222,7 +11580,7 @@
     </p:spTree>
     <p:extLst>
       <p:ext uri="{BB962C8B-B14F-4D97-AF65-F5344CB8AC3E}">
-        <p14:creationId xmlns:p14="http://schemas.microsoft.com/office/powerpoint/2010/main" val="1189647222"/>
+        <p14:creationId xmlns:p14="http://schemas.microsoft.com/office/powerpoint/2010/main" val="3454887389"/>
       </p:ext>
     </p:extLst>
   </p:cSld>
@@ -13531,7 +11889,7 @@
     </p:spTree>
     <p:extLst>
       <p:ext uri="{BB962C8B-B14F-4D97-AF65-F5344CB8AC3E}">
-        <p14:creationId xmlns:p14="http://schemas.microsoft.com/office/powerpoint/2010/main" val="2691834477"/>
+        <p14:creationId xmlns:p14="http://schemas.microsoft.com/office/powerpoint/2010/main" val="3305795409"/>
       </p:ext>
     </p:extLst>
   </p:cSld>
@@ -13800,13 +12158,7 @@
             </a:extLst>
           </p:cNvPr>
           <p:cNvGraphicFramePr/>
-          <p:nvPr>
-            <p:extLst>
-              <p:ext uri="{D42A27DB-BD31-4B8C-83A1-F6EECF244321}">
-                <p14:modId xmlns:p14="http://schemas.microsoft.com/office/powerpoint/2010/main" val="2113172279"/>
-              </p:ext>
-            </p:extLst>
-          </p:nvPr>
+          <p:nvPr/>
         </p:nvGraphicFramePr>
         <p:xfrm>
           <a:off x="871449" y="1619250"/>

--- a/netcoreconf23_BCN_BlazorNoWayHome.pptx
+++ b/netcoreconf23_BCN_BlazorNoWayHome.pptx
@@ -5111,6 +5111,166 @@
 </file>
 
 <file path=ppt/notesSlides/notesSlide1.xml><?xml version="1.0" encoding="utf-8"?>
+<p:notes xmlns:a="http://schemas.openxmlformats.org/drawingml/2006/main" xmlns:r="http://schemas.openxmlformats.org/officeDocument/2006/relationships" xmlns:p="http://schemas.openxmlformats.org/presentationml/2006/main">
+  <p:cSld>
+    <p:spTree>
+      <p:nvGrpSpPr>
+        <p:cNvPr id="1" name=""/>
+        <p:cNvGrpSpPr/>
+        <p:nvPr/>
+      </p:nvGrpSpPr>
+      <p:grpSpPr>
+        <a:xfrm>
+          <a:off x="0" y="0"/>
+          <a:ext cx="0" cy="0"/>
+          <a:chOff x="0" y="0"/>
+          <a:chExt cx="0" cy="0"/>
+        </a:xfrm>
+      </p:grpSpPr>
+      <p:sp>
+        <p:nvSpPr>
+          <p:cNvPr id="2" name="Marcador de imagen de diapositiva 1"/>
+          <p:cNvSpPr>
+            <a:spLocks noGrp="1" noRot="1" noChangeAspect="1"/>
+          </p:cNvSpPr>
+          <p:nvPr>
+            <p:ph type="sldImg"/>
+          </p:nvPr>
+        </p:nvSpPr>
+        <p:spPr/>
+      </p:sp>
+      <p:sp>
+        <p:nvSpPr>
+          <p:cNvPr id="3" name="Marcador de notas 2"/>
+          <p:cNvSpPr>
+            <a:spLocks noGrp="1"/>
+          </p:cNvSpPr>
+          <p:nvPr>
+            <p:ph type="body" idx="1"/>
+          </p:nvPr>
+        </p:nvSpPr>
+        <p:spPr/>
+        <p:txBody>
+          <a:bodyPr/>
+          <a:lstStyle/>
+          <a:p>
+            <a:pPr marL="0" lvl="0" indent="0" algn="l" rtl="0">
+              <a:spcBef>
+                <a:spcPts val="0"/>
+              </a:spcBef>
+              <a:spcAft>
+                <a:spcPts val="0"/>
+              </a:spcAft>
+              <a:buNone/>
+            </a:pPr>
+            <a:r>
+              <a:rPr lang="es-ES" dirty="0"/>
+              <a:t>Componente </a:t>
+            </a:r>
+            <a:r>
+              <a:rPr lang="es-ES" dirty="0" err="1"/>
+              <a:t>Router</a:t>
+            </a:r>
+            <a:r>
+              <a:rPr lang="es-ES" dirty="0"/>
+              <a:t> localiza todas las páginas de nuestra aplicación (componentes con directiva @page) y crea la tabla de rutas (</a:t>
+            </a:r>
+            <a:r>
+              <a:rPr lang="es-ES" dirty="0" err="1"/>
+              <a:t>App.razor</a:t>
+            </a:r>
+            <a:r>
+              <a:rPr lang="es-ES" dirty="0"/>
+              <a:t>). </a:t>
+            </a:r>
+            <a:br>
+              <a:rPr lang="es-ES" dirty="0"/>
+            </a:br>
+            <a:r>
+              <a:rPr lang="es-ES" dirty="0"/>
+              <a:t>- </a:t>
+            </a:r>
+            <a:r>
+              <a:rPr lang="es-ES" dirty="0" err="1"/>
+              <a:t>AppAssembly</a:t>
+            </a:r>
+            <a:r>
+              <a:rPr lang="es-ES" dirty="0"/>
+              <a:t> referencia al proyecto actual</a:t>
+            </a:r>
+            <a:br>
+              <a:rPr lang="es-ES" dirty="0"/>
+            </a:br>
+            <a:r>
+              <a:rPr lang="es-ES" dirty="0"/>
+              <a:t>- Cuando se encuentra la ruta, se renderiza este fragmento</a:t>
+            </a:r>
+          </a:p>
+          <a:p>
+            <a:pPr marL="0" lvl="0" indent="0" algn="l" rtl="0">
+              <a:spcBef>
+                <a:spcPts val="0"/>
+              </a:spcBef>
+              <a:spcAft>
+                <a:spcPts val="0"/>
+              </a:spcAft>
+              <a:buNone/>
+            </a:pPr>
+            <a:r>
+              <a:rPr lang="es-ES" dirty="0"/>
+              <a:t>- </a:t>
+            </a:r>
+            <a:r>
+              <a:rPr lang="es-ES" dirty="0" err="1"/>
+              <a:t>ROuteView</a:t>
+            </a:r>
+            <a:r>
+              <a:rPr lang="es-ES" dirty="0"/>
+              <a:t> renderiza la página</a:t>
+            </a:r>
+          </a:p>
+          <a:p>
+            <a:endParaRPr lang="es-ES" dirty="0"/>
+          </a:p>
+        </p:txBody>
+      </p:sp>
+      <p:sp>
+        <p:nvSpPr>
+          <p:cNvPr id="4" name="Marcador de número de diapositiva 3"/>
+          <p:cNvSpPr>
+            <a:spLocks noGrp="1"/>
+          </p:cNvSpPr>
+          <p:nvPr>
+            <p:ph type="sldNum" sz="quarter" idx="5"/>
+          </p:nvPr>
+        </p:nvSpPr>
+        <p:spPr/>
+        <p:txBody>
+          <a:bodyPr/>
+          <a:lstStyle/>
+          <a:p>
+            <a:fld id="{5201BD0E-354B-C440-9698-83F7F74945AC}" type="slidenum">
+              <a:rPr lang="es-ES_tradnl" smtClean="0"/>
+              <a:t>11</a:t>
+            </a:fld>
+            <a:endParaRPr lang="es-ES_tradnl"/>
+          </a:p>
+        </p:txBody>
+      </p:sp>
+    </p:spTree>
+    <p:extLst>
+      <p:ext uri="{BB962C8B-B14F-4D97-AF65-F5344CB8AC3E}">
+        <p14:creationId xmlns:p14="http://schemas.microsoft.com/office/powerpoint/2010/main" val="2551638262"/>
+      </p:ext>
+    </p:extLst>
+  </p:cSld>
+  <p:clrMapOvr>
+    <a:masterClrMapping/>
+  </p:clrMapOvr>
+</p:notes>
+</file>
+
+<file path=ppt/notesSlides/notesSlide2.xml><?xml version="1.0" encoding="utf-8"?>
 <p:notes xmlns:a="http://schemas.openxmlformats.org/drawingml/2006/main" xmlns:r="http://schemas.openxmlformats.org/officeDocument/2006/relationships" xmlns:p="http://schemas.openxmlformats.org/presentationml/2006/main">
   <p:cSld>
     <p:spTree>
@@ -9360,7 +9520,10 @@
             </a:lvl1pPr>
           </a:lstStyle>
           <a:p>
-            <a:pPr algn="just"/>
+            <a:pPr marL="342900" indent="-342900" algn="just">
+              <a:buFont typeface="Arial" panose="020B0604020202020204" pitchFamily="34" charset="0"/>
+              <a:buChar char="•"/>
+            </a:pPr>
             <a:r>
               <a:rPr lang="es-ES" sz="2000" dirty="0">
                 <a:solidFill>
@@ -9368,7 +9531,247 @@
                 </a:solidFill>
                 <a:latin typeface="Segoe UI" panose="020B0502040204020203" pitchFamily="34" charset="0"/>
               </a:rPr>
-              <a:t>AAAAAAAAAA</a:t>
+              <a:t>Reusable UI </a:t>
+            </a:r>
+            <a:r>
+              <a:rPr lang="es-ES" sz="2000" dirty="0" err="1">
+                <a:solidFill>
+                  <a:srgbClr val="171717"/>
+                </a:solidFill>
+                <a:latin typeface="Segoe UI" panose="020B0502040204020203" pitchFamily="34" charset="0"/>
+              </a:rPr>
+              <a:t>Components</a:t>
+            </a:r>
+            <a:endParaRPr lang="es-ES" sz="2000" dirty="0">
+              <a:solidFill>
+                <a:srgbClr val="171717"/>
+              </a:solidFill>
+              <a:latin typeface="Segoe UI" panose="020B0502040204020203" pitchFamily="34" charset="0"/>
+            </a:endParaRPr>
+          </a:p>
+          <a:p>
+            <a:pPr marL="342900" indent="-342900" algn="just">
+              <a:buFont typeface="Arial" panose="020B0604020202020204" pitchFamily="34" charset="0"/>
+              <a:buChar char="•"/>
+            </a:pPr>
+            <a:r>
+              <a:rPr lang="es-ES" sz="2000" dirty="0" err="1">
+                <a:solidFill>
+                  <a:srgbClr val="171717"/>
+                </a:solidFill>
+                <a:latin typeface="Segoe UI" panose="020B0502040204020203" pitchFamily="34" charset="0"/>
+              </a:rPr>
+              <a:t>Razor</a:t>
+            </a:r>
+            <a:r>
+              <a:rPr lang="es-ES" sz="2000" dirty="0">
+                <a:solidFill>
+                  <a:srgbClr val="171717"/>
+                </a:solidFill>
+                <a:latin typeface="Segoe UI" panose="020B0502040204020203" pitchFamily="34" charset="0"/>
+              </a:rPr>
+              <a:t> </a:t>
+            </a:r>
+            <a:r>
+              <a:rPr lang="es-ES" sz="2000" dirty="0" err="1">
+                <a:solidFill>
+                  <a:srgbClr val="171717"/>
+                </a:solidFill>
+                <a:latin typeface="Segoe UI" panose="020B0502040204020203" pitchFamily="34" charset="0"/>
+              </a:rPr>
+              <a:t>syntax</a:t>
+            </a:r>
+            <a:endParaRPr lang="es-ES" sz="2000" dirty="0">
+              <a:solidFill>
+                <a:srgbClr val="171717"/>
+              </a:solidFill>
+              <a:latin typeface="Segoe UI" panose="020B0502040204020203" pitchFamily="34" charset="0"/>
+            </a:endParaRPr>
+          </a:p>
+          <a:p>
+            <a:pPr marL="342900" indent="-342900" algn="just">
+              <a:buFont typeface="Arial" panose="020B0604020202020204" pitchFamily="34" charset="0"/>
+              <a:buChar char="•"/>
+            </a:pPr>
+            <a:r>
+              <a:rPr lang="es-ES" sz="2000" dirty="0" err="1">
+                <a:solidFill>
+                  <a:srgbClr val="171717"/>
+                </a:solidFill>
+                <a:latin typeface="Segoe UI" panose="020B0502040204020203" pitchFamily="34" charset="0"/>
+              </a:rPr>
+              <a:t>Parametrs</a:t>
+            </a:r>
+            <a:endParaRPr lang="es-ES" sz="2000" dirty="0">
+              <a:solidFill>
+                <a:srgbClr val="171717"/>
+              </a:solidFill>
+              <a:latin typeface="Segoe UI" panose="020B0502040204020203" pitchFamily="34" charset="0"/>
+            </a:endParaRPr>
+          </a:p>
+          <a:p>
+            <a:pPr marL="342900" indent="-342900" algn="just">
+              <a:buFont typeface="Arial" panose="020B0604020202020204" pitchFamily="34" charset="0"/>
+              <a:buChar char="•"/>
+            </a:pPr>
+            <a:r>
+              <a:rPr lang="es-ES" sz="2000" dirty="0" err="1">
+                <a:solidFill>
+                  <a:srgbClr val="171717"/>
+                </a:solidFill>
+                <a:latin typeface="Segoe UI" panose="020B0502040204020203" pitchFamily="34" charset="0"/>
+              </a:rPr>
+              <a:t>Testing</a:t>
+            </a:r>
+            <a:endParaRPr lang="es-ES" sz="2000" dirty="0">
+              <a:solidFill>
+                <a:srgbClr val="171717"/>
+              </a:solidFill>
+              <a:latin typeface="Segoe UI" panose="020B0502040204020203" pitchFamily="34" charset="0"/>
+            </a:endParaRPr>
+          </a:p>
+          <a:p>
+            <a:pPr marL="342900" indent="-342900" algn="just">
+              <a:buFont typeface="Arial" panose="020B0604020202020204" pitchFamily="34" charset="0"/>
+              <a:buChar char="•"/>
+            </a:pPr>
+            <a:r>
+              <a:rPr lang="es-ES" sz="2000" dirty="0" err="1">
+                <a:solidFill>
+                  <a:srgbClr val="171717"/>
+                </a:solidFill>
+                <a:latin typeface="Segoe UI" panose="020B0502040204020203" pitchFamily="34" charset="0"/>
+              </a:rPr>
+              <a:t>Razor</a:t>
+            </a:r>
+            <a:r>
+              <a:rPr lang="es-ES" sz="2000" dirty="0">
+                <a:solidFill>
+                  <a:srgbClr val="171717"/>
+                </a:solidFill>
+                <a:latin typeface="Segoe UI" panose="020B0502040204020203" pitchFamily="34" charset="0"/>
+              </a:rPr>
+              <a:t> </a:t>
+            </a:r>
+            <a:r>
+              <a:rPr lang="es-ES" sz="2000" dirty="0" err="1">
+                <a:solidFill>
+                  <a:srgbClr val="171717"/>
+                </a:solidFill>
+                <a:latin typeface="Segoe UI" panose="020B0502040204020203" pitchFamily="34" charset="0"/>
+              </a:rPr>
+              <a:t>Libraries</a:t>
+            </a:r>
+            <a:endParaRPr lang="es-ES" sz="2000" dirty="0">
+              <a:solidFill>
+                <a:srgbClr val="171717"/>
+              </a:solidFill>
+              <a:latin typeface="Segoe UI" panose="020B0502040204020203" pitchFamily="34" charset="0"/>
+            </a:endParaRPr>
+          </a:p>
+          <a:p>
+            <a:pPr marL="342900" indent="-342900" algn="just">
+              <a:buFont typeface="Arial" panose="020B0604020202020204" pitchFamily="34" charset="0"/>
+              <a:buChar char="•"/>
+            </a:pPr>
+            <a:r>
+              <a:rPr lang="en-US" sz="2000" dirty="0">
+                <a:solidFill>
+                  <a:srgbClr val="171717"/>
+                </a:solidFill>
+                <a:latin typeface="Segoe UI" panose="020B0502040204020203" pitchFamily="34" charset="0"/>
+              </a:rPr>
+              <a:t>Examples:</a:t>
+            </a:r>
+          </a:p>
+          <a:p>
+            <a:pPr algn="just"/>
+            <a:r>
+              <a:rPr lang="en-US" sz="2000" dirty="0">
+                <a:solidFill>
+                  <a:srgbClr val="171717"/>
+                </a:solidFill>
+                <a:latin typeface="Segoe UI" panose="020B0502040204020203" pitchFamily="34" charset="0"/>
+              </a:rPr>
+              <a:t>	</a:t>
+            </a:r>
+            <a:r>
+              <a:rPr lang="es-ES" sz="2000" dirty="0">
+                <a:solidFill>
+                  <a:srgbClr val="171717"/>
+                </a:solidFill>
+                <a:latin typeface="Segoe UI" panose="020B0502040204020203" pitchFamily="34" charset="0"/>
+              </a:rPr>
+              <a:t> NetCoreConfBCN23.</a:t>
+            </a:r>
+            <a:r>
+              <a:rPr lang="en-US" sz="2000" dirty="0">
+                <a:solidFill>
+                  <a:srgbClr val="171717"/>
+                </a:solidFill>
+                <a:latin typeface="Segoe UI" panose="020B0502040204020203" pitchFamily="34" charset="0"/>
+              </a:rPr>
+              <a:t>Components</a:t>
+            </a:r>
+          </a:p>
+          <a:p>
+            <a:pPr algn="just"/>
+            <a:r>
+              <a:rPr lang="en-US" sz="2000" dirty="0">
+                <a:solidFill>
+                  <a:srgbClr val="171717"/>
+                </a:solidFill>
+                <a:latin typeface="Segoe UI" panose="020B0502040204020203" pitchFamily="34" charset="0"/>
+              </a:rPr>
+              <a:t>	</a:t>
+            </a:r>
+            <a:r>
+              <a:rPr lang="es-ES" sz="2000" dirty="0">
+                <a:solidFill>
+                  <a:srgbClr val="171717"/>
+                </a:solidFill>
+                <a:latin typeface="Segoe UI" panose="020B0502040204020203" pitchFamily="34" charset="0"/>
+              </a:rPr>
+              <a:t> NetCoreConfBCN23.</a:t>
+            </a:r>
+            <a:r>
+              <a:rPr lang="en-US" sz="2000" dirty="0">
+                <a:solidFill>
+                  <a:srgbClr val="171717"/>
+                </a:solidFill>
+                <a:latin typeface="Segoe UI" panose="020B0502040204020203" pitchFamily="34" charset="0"/>
+              </a:rPr>
+              <a:t>Shared</a:t>
+            </a:r>
+          </a:p>
+          <a:p>
+            <a:pPr algn="just"/>
+            <a:r>
+              <a:rPr lang="en-US" sz="2000" dirty="0">
+                <a:solidFill>
+                  <a:srgbClr val="171717"/>
+                </a:solidFill>
+                <a:latin typeface="Segoe UI" panose="020B0502040204020203" pitchFamily="34" charset="0"/>
+              </a:rPr>
+              <a:t>	</a:t>
+            </a:r>
+            <a:r>
+              <a:rPr lang="es-ES" sz="2000" dirty="0">
+                <a:solidFill>
+                  <a:srgbClr val="171717"/>
+                </a:solidFill>
+                <a:latin typeface="Segoe UI" panose="020B0502040204020203" pitchFamily="34" charset="0"/>
+              </a:rPr>
+              <a:t> NetCoreConfBCN23.</a:t>
+            </a:r>
+            <a:r>
+              <a:rPr lang="en-US" sz="2000" dirty="0" err="1">
+                <a:solidFill>
+                  <a:srgbClr val="171717"/>
+                </a:solidFill>
+                <a:latin typeface="Segoe UI" panose="020B0502040204020203" pitchFamily="34" charset="0"/>
+              </a:rPr>
+              <a:t>Shared.Tests</a:t>
             </a:r>
             <a:endParaRPr lang="en-US" sz="2000" dirty="0">
               <a:solidFill>
@@ -9486,7 +9889,82 @@
             </a:lvl1pPr>
           </a:lstStyle>
           <a:p>
-            <a:pPr algn="just"/>
+            <a:pPr marL="342900" indent="-342900" algn="just">
+              <a:buFont typeface="Arial" panose="020B0604020202020204" pitchFamily="34" charset="0"/>
+              <a:buChar char="•"/>
+            </a:pPr>
+            <a:r>
+              <a:rPr lang="es-ES" sz="2000" dirty="0" err="1">
+                <a:solidFill>
+                  <a:srgbClr val="171717"/>
+                </a:solidFill>
+                <a:latin typeface="Segoe UI" panose="020B0502040204020203" pitchFamily="34" charset="0"/>
+              </a:rPr>
+              <a:t>Router</a:t>
+            </a:r>
+            <a:endParaRPr lang="es-ES" sz="2000" dirty="0">
+              <a:solidFill>
+                <a:srgbClr val="171717"/>
+              </a:solidFill>
+              <a:latin typeface="Segoe UI" panose="020B0502040204020203" pitchFamily="34" charset="0"/>
+            </a:endParaRPr>
+          </a:p>
+          <a:p>
+            <a:pPr marL="342900" indent="-342900" algn="just">
+              <a:buFont typeface="Arial" panose="020B0604020202020204" pitchFamily="34" charset="0"/>
+              <a:buChar char="•"/>
+            </a:pPr>
+            <a:r>
+              <a:rPr lang="es-ES" sz="2000" dirty="0" err="1">
+                <a:solidFill>
+                  <a:srgbClr val="171717"/>
+                </a:solidFill>
+                <a:latin typeface="Segoe UI" panose="020B0502040204020203" pitchFamily="34" charset="0"/>
+              </a:rPr>
+              <a:t>NavigationManager</a:t>
+            </a:r>
+            <a:endParaRPr lang="es-ES" sz="2000" dirty="0">
+              <a:solidFill>
+                <a:srgbClr val="171717"/>
+              </a:solidFill>
+              <a:latin typeface="Segoe UI" panose="020B0502040204020203" pitchFamily="34" charset="0"/>
+            </a:endParaRPr>
+          </a:p>
+          <a:p>
+            <a:pPr marL="342900" indent="-342900" algn="just">
+              <a:buFont typeface="Arial" panose="020B0604020202020204" pitchFamily="34" charset="0"/>
+              <a:buChar char="•"/>
+            </a:pPr>
+            <a:r>
+              <a:rPr lang="es-ES" sz="2000" dirty="0" err="1">
+                <a:solidFill>
+                  <a:srgbClr val="171717"/>
+                </a:solidFill>
+                <a:latin typeface="Segoe UI" panose="020B0502040204020203" pitchFamily="34" charset="0"/>
+              </a:rPr>
+              <a:t>NavLink</a:t>
+            </a:r>
+            <a:endParaRPr lang="es-ES" sz="2000" dirty="0">
+              <a:solidFill>
+                <a:srgbClr val="171717"/>
+              </a:solidFill>
+              <a:latin typeface="Segoe UI" panose="020B0502040204020203" pitchFamily="34" charset="0"/>
+            </a:endParaRPr>
+          </a:p>
+          <a:p>
+            <a:pPr marL="342900" indent="-342900" algn="just">
+              <a:buFont typeface="Arial" panose="020B0604020202020204" pitchFamily="34" charset="0"/>
+              <a:buChar char="•"/>
+            </a:pPr>
+            <a:r>
+              <a:rPr lang="es-ES" sz="2000" dirty="0" err="1">
+                <a:solidFill>
+                  <a:srgbClr val="171717"/>
+                </a:solidFill>
+                <a:latin typeface="Segoe UI" panose="020B0502040204020203" pitchFamily="34" charset="0"/>
+              </a:rPr>
+              <a:t>Example</a:t>
+            </a:r>
             <a:r>
               <a:rPr lang="es-ES" sz="2000" dirty="0">
                 <a:solidFill>
@@ -9494,7 +9972,19 @@
                 </a:solidFill>
                 <a:latin typeface="Segoe UI" panose="020B0502040204020203" pitchFamily="34" charset="0"/>
               </a:rPr>
-              <a:t>AAAAAA</a:t>
+              <a:t>: </a:t>
+            </a:r>
+          </a:p>
+          <a:p>
+            <a:pPr algn="just"/>
+            <a:r>
+              <a:rPr lang="es-ES" sz="2000" dirty="0">
+                <a:solidFill>
+                  <a:srgbClr val="171717"/>
+                </a:solidFill>
+                <a:latin typeface="Segoe UI" panose="020B0502040204020203" pitchFamily="34" charset="0"/>
+              </a:rPr>
+              <a:t>	NetCoreConfBCN23.Routing</a:t>
             </a:r>
             <a:endParaRPr lang="en-US" sz="2000" dirty="0">
               <a:solidFill>
@@ -13029,10 +13519,7 @@
             </a:r>
           </a:p>
           <a:p>
-            <a:pPr marL="342900" indent="-342900" algn="just">
-              <a:buFont typeface="Arial" panose="020B0604020202020204" pitchFamily="34" charset="0"/>
-              <a:buChar char="•"/>
-            </a:pPr>
+            <a:pPr algn="just"/>
             <a:r>
               <a:rPr lang="en-US" sz="1800" dirty="0">
                 <a:solidFill>
@@ -13040,7 +13527,7 @@
                 </a:solidFill>
                 <a:latin typeface="Segoe UI" panose="020B0502040204020203" pitchFamily="34" charset="0"/>
               </a:rPr>
-              <a:t>	Mouse biding: </a:t>
+              <a:t>	Mouse binding: </a:t>
             </a:r>
             <a:r>
               <a:rPr lang="en-US" sz="1600" dirty="0">
@@ -13256,35 +13743,191 @@
               <a:buChar char="•"/>
             </a:pPr>
             <a:r>
+              <a:rPr lang="en-US" sz="2000" dirty="0" err="1">
+                <a:solidFill>
+                  <a:schemeClr val="tx1"/>
+                </a:solidFill>
+                <a:latin typeface="Segoe UI" panose="020B0502040204020203" pitchFamily="34" charset="0"/>
+              </a:rPr>
+              <a:t>EditForm</a:t>
+            </a:r>
+            <a:endParaRPr lang="en-US" sz="2000" dirty="0">
+              <a:solidFill>
+                <a:schemeClr val="tx1"/>
+              </a:solidFill>
+              <a:latin typeface="Segoe UI" panose="020B0502040204020203" pitchFamily="34" charset="0"/>
+            </a:endParaRPr>
+          </a:p>
+          <a:p>
+            <a:pPr algn="just"/>
+            <a:r>
+              <a:rPr lang="en-US" sz="2000" dirty="0">
+                <a:solidFill>
+                  <a:schemeClr val="tx1"/>
+                </a:solidFill>
+                <a:latin typeface="Segoe UI" panose="020B0502040204020203" pitchFamily="34" charset="0"/>
+              </a:rPr>
+              <a:t>	</a:t>
+            </a:r>
+            <a:r>
+              <a:rPr lang="en-US" sz="2000" dirty="0" err="1">
+                <a:solidFill>
+                  <a:schemeClr val="tx1"/>
+                </a:solidFill>
+                <a:latin typeface="Segoe UI" panose="020B0502040204020203" pitchFamily="34" charset="0"/>
+              </a:rPr>
+              <a:t>InputText</a:t>
+            </a:r>
+            <a:r>
+              <a:rPr lang="en-US" sz="2000" dirty="0">
+                <a:solidFill>
+                  <a:schemeClr val="tx1"/>
+                </a:solidFill>
+                <a:latin typeface="Segoe UI" panose="020B0502040204020203" pitchFamily="34" charset="0"/>
+              </a:rPr>
+              <a:t>, </a:t>
+            </a:r>
+            <a:r>
+              <a:rPr lang="en-US" sz="2000" dirty="0" err="1">
+                <a:solidFill>
+                  <a:schemeClr val="tx1"/>
+                </a:solidFill>
+                <a:latin typeface="Segoe UI" panose="020B0502040204020203" pitchFamily="34" charset="0"/>
+              </a:rPr>
+              <a:t>InputCheckbox</a:t>
+            </a:r>
+            <a:r>
+              <a:rPr lang="en-US" sz="2000" dirty="0">
+                <a:solidFill>
+                  <a:schemeClr val="tx1"/>
+                </a:solidFill>
+                <a:latin typeface="Segoe UI" panose="020B0502040204020203" pitchFamily="34" charset="0"/>
+              </a:rPr>
+              <a:t>, </a:t>
+            </a:r>
+            <a:r>
+              <a:rPr lang="en-US" sz="2000" dirty="0" err="1">
+                <a:solidFill>
+                  <a:schemeClr val="tx1"/>
+                </a:solidFill>
+                <a:latin typeface="Segoe UI" panose="020B0502040204020203" pitchFamily="34" charset="0"/>
+              </a:rPr>
+              <a:t>InputDate</a:t>
+            </a:r>
+            <a:r>
+              <a:rPr lang="en-US" sz="2000" dirty="0">
+                <a:solidFill>
+                  <a:schemeClr val="tx1"/>
+                </a:solidFill>
+                <a:latin typeface="Segoe UI" panose="020B0502040204020203" pitchFamily="34" charset="0"/>
+              </a:rPr>
+              <a:t>, </a:t>
+            </a:r>
+            <a:r>
+              <a:rPr lang="en-US" sz="2000" dirty="0" err="1">
+                <a:solidFill>
+                  <a:schemeClr val="tx1"/>
+                </a:solidFill>
+                <a:latin typeface="Segoe UI" panose="020B0502040204020203" pitchFamily="34" charset="0"/>
+              </a:rPr>
+              <a:t>InputNumber</a:t>
+            </a:r>
+            <a:r>
+              <a:rPr lang="en-US" sz="2000" dirty="0">
+                <a:solidFill>
+                  <a:schemeClr val="tx1"/>
+                </a:solidFill>
+                <a:latin typeface="Segoe UI" panose="020B0502040204020203" pitchFamily="34" charset="0"/>
+              </a:rPr>
+              <a:t>, </a:t>
+            </a:r>
+            <a:r>
+              <a:rPr lang="en-US" sz="2000" dirty="0" err="1">
+                <a:solidFill>
+                  <a:schemeClr val="tx1"/>
+                </a:solidFill>
+                <a:latin typeface="Segoe UI" panose="020B0502040204020203" pitchFamily="34" charset="0"/>
+              </a:rPr>
+              <a:t>InputTextArea</a:t>
+            </a:r>
+            <a:r>
+              <a:rPr lang="en-US" sz="2000" dirty="0">
+                <a:solidFill>
+                  <a:schemeClr val="tx1"/>
+                </a:solidFill>
+                <a:latin typeface="Segoe UI" panose="020B0502040204020203" pitchFamily="34" charset="0"/>
+              </a:rPr>
+              <a:t> and </a:t>
+            </a:r>
+            <a:r>
+              <a:rPr lang="en-US" sz="2000" dirty="0" err="1">
+                <a:solidFill>
+                  <a:schemeClr val="tx1"/>
+                </a:solidFill>
+                <a:latin typeface="Segoe UI" panose="020B0502040204020203" pitchFamily="34" charset="0"/>
+              </a:rPr>
+              <a:t>InputSelect</a:t>
+            </a:r>
+            <a:endParaRPr lang="en-US" sz="2000" dirty="0">
+              <a:solidFill>
+                <a:schemeClr val="tx1"/>
+              </a:solidFill>
+              <a:latin typeface="Segoe UI" panose="020B0502040204020203" pitchFamily="34" charset="0"/>
+            </a:endParaRPr>
+          </a:p>
+          <a:p>
+            <a:pPr marL="342900" indent="-342900" algn="just">
+              <a:buFont typeface="Arial" panose="020B0604020202020204" pitchFamily="34" charset="0"/>
+              <a:buChar char="•"/>
+            </a:pPr>
+            <a:r>
+              <a:rPr lang="en-US" sz="2000">
+                <a:solidFill>
+                  <a:schemeClr val="tx1"/>
+                </a:solidFill>
+                <a:latin typeface="Segoe UI" panose="020B0502040204020203" pitchFamily="34" charset="0"/>
+              </a:rPr>
+              <a:t>Examples: </a:t>
+            </a:r>
+            <a:endParaRPr lang="en-US" sz="2000" dirty="0">
+              <a:solidFill>
+                <a:schemeClr val="tx1"/>
+              </a:solidFill>
+              <a:latin typeface="Segoe UI" panose="020B0502040204020203" pitchFamily="34" charset="0"/>
+            </a:endParaRPr>
+          </a:p>
+          <a:p>
+            <a:pPr algn="just"/>
+            <a:r>
               <a:rPr lang="en-US" sz="2000" dirty="0">
                 <a:solidFill>
                   <a:srgbClr val="FF0000"/>
                 </a:solidFill>
                 <a:latin typeface="Segoe UI" panose="020B0502040204020203" pitchFamily="34" charset="0"/>
               </a:rPr>
-              <a:t>COSAS DE FORMS</a:t>
-            </a:r>
-          </a:p>
-          <a:p>
-            <a:pPr marL="342900" indent="-342900" algn="just">
-              <a:buFont typeface="Arial" panose="020B0604020202020204" pitchFamily="34" charset="0"/>
-              <a:buChar char="•"/>
-            </a:pPr>
-            <a:r>
-              <a:rPr lang="en-US" sz="2000" dirty="0">
+              <a:t>	</a:t>
+            </a:r>
+            <a:r>
+              <a:rPr lang="es-ES" sz="2000" dirty="0">
                 <a:solidFill>
-                  <a:srgbClr val="FF0000"/>
+                  <a:srgbClr val="171717"/>
                 </a:solidFill>
                 <a:latin typeface="Segoe UI" panose="020B0502040204020203" pitchFamily="34" charset="0"/>
               </a:rPr>
-              <a:t>Example: XXXX.YYYYYY</a:t>
-            </a:r>
-          </a:p>
-          <a:p>
-            <a:pPr marL="342900" indent="-342900" algn="just">
-              <a:buFont typeface="Arial" panose="020B0604020202020204" pitchFamily="34" charset="0"/>
-              <a:buChar char="•"/>
-            </a:pPr>
+              <a:t>NetCoreConfBCN23.Binding </a:t>
+            </a:r>
+          </a:p>
+          <a:p>
+            <a:pPr algn="just"/>
+            <a:r>
+              <a:rPr lang="es-ES" sz="2000" dirty="0">
+                <a:solidFill>
+                  <a:srgbClr val="171717"/>
+                </a:solidFill>
+                <a:latin typeface="Segoe UI" panose="020B0502040204020203" pitchFamily="34" charset="0"/>
+              </a:rPr>
+              <a:t>	NetCoreConfBCN23.Forms</a:t>
+            </a:r>
             <a:endParaRPr lang="en-US" sz="2000" dirty="0">
               <a:solidFill>
                 <a:srgbClr val="171717"/>

--- a/netcoreconf23_BCN_BlazorNoWayHome.pptx
+++ b/netcoreconf23_BCN_BlazorNoWayHome.pptx
@@ -4842,7 +4842,7 @@
           <a:p>
             <a:fld id="{939FF663-7E36-284F-93AD-25D19950C905}" type="datetimeFigureOut">
               <a:rPr lang="es-ES_tradnl" smtClean="0"/>
-              <a:t>27/02/2023</a:t>
+              <a:t>28/02/2023</a:t>
             </a:fld>
             <a:endParaRPr lang="es-ES_tradnl"/>
           </a:p>
@@ -5501,7 +5501,7 @@
           <a:p>
             <a:fld id="{884406F1-D55D-4EF3-B6E5-F254E6012FCC}" type="datetimeFigureOut">
               <a:rPr lang="es-ES" smtClean="0"/>
-              <a:t>27/02/2023</a:t>
+              <a:t>28/02/2023</a:t>
             </a:fld>
             <a:endParaRPr lang="es-ES"/>
           </a:p>
@@ -5762,7 +5762,7 @@
             <a:fld id="{DC76426A-DF8C-4B33-AC87-8CA5E8B7F10A}" type="datetimeFigureOut">
               <a:rPr lang="es-ES" smtClean="0"/>
               <a:pPr/>
-              <a:t>27/02/2023</a:t>
+              <a:t>28/02/2023</a:t>
             </a:fld>
             <a:endParaRPr lang="es-ES" dirty="0"/>
           </a:p>
@@ -7007,7 +7007,7 @@
             <a:fld id="{DC76426A-DF8C-4B33-AC87-8CA5E8B7F10A}" type="datetimeFigureOut">
               <a:rPr lang="es-ES" smtClean="0"/>
               <a:pPr/>
-              <a:t>27/02/2023</a:t>
+              <a:t>28/02/2023</a:t>
             </a:fld>
             <a:endParaRPr lang="es-ES" dirty="0"/>
           </a:p>
@@ -7379,7 +7379,7 @@
           <a:p>
             <a:fld id="{884406F1-D55D-4EF3-B6E5-F254E6012FCC}" type="datetimeFigureOut">
               <a:rPr lang="es-ES" smtClean="0"/>
-              <a:t>27/02/2023</a:t>
+              <a:t>28/02/2023</a:t>
             </a:fld>
             <a:endParaRPr lang="es-ES"/>
           </a:p>
@@ -8304,7 +8304,7 @@
           <a:p>
             <a:fld id="{884406F1-D55D-4EF3-B6E5-F254E6012FCC}" type="datetimeFigureOut">
               <a:rPr lang="es-ES" smtClean="0"/>
-              <a:t>27/02/2023</a:t>
+              <a:t>28/02/2023</a:t>
             </a:fld>
             <a:endParaRPr lang="es-ES"/>
           </a:p>
@@ -10304,73 +10304,53 @@
           </a:p>
         </p:txBody>
       </p:sp>
-      <p:sp>
-        <p:nvSpPr>
-          <p:cNvPr id="3" name="Título 4">
+      <p:pic>
+        <p:nvPicPr>
+          <p:cNvPr id="1026" name="Picture 2" descr="Hasbulla, el pequeño 'montabullas' que lo 'peta' en las redes | Celebrities">
             <a:extLst>
               <a:ext uri="{FF2B5EF4-FFF2-40B4-BE49-F238E27FC236}">
-                <a16:creationId xmlns:a16="http://schemas.microsoft.com/office/drawing/2014/main" id="{08B4A7D6-21D8-4A2C-86E4-CEFE8DD02180}"/>
+                <a16:creationId xmlns:a16="http://schemas.microsoft.com/office/drawing/2014/main" id="{04CB3368-1978-2FFC-8B50-3FE6C463C819}"/>
               </a:ext>
             </a:extLst>
           </p:cNvPr>
-          <p:cNvSpPr txBox="1">
-            <a:spLocks/>
-          </p:cNvSpPr>
+          <p:cNvPicPr>
+            <a:picLocks noChangeAspect="1" noChangeArrowheads="1"/>
+          </p:cNvPicPr>
           <p:nvPr/>
-        </p:nvSpPr>
-        <p:spPr>
+        </p:nvPicPr>
+        <p:blipFill>
+          <a:blip r:embed="rId2">
+            <a:extLst>
+              <a:ext uri="{28A0092B-C50C-407E-A947-70E740481C1C}">
+                <a14:useLocalDpi xmlns:a14="http://schemas.microsoft.com/office/drawing/2010/main" val="0"/>
+              </a:ext>
+            </a:extLst>
+          </a:blip>
+          <a:srcRect/>
+          <a:stretch>
+            <a:fillRect/>
+          </a:stretch>
+        </p:blipFill>
+        <p:spPr bwMode="auto">
           <a:xfrm>
-            <a:off x="838200" y="1195523"/>
-            <a:ext cx="6191249" cy="4466953"/>
+            <a:off x="3112994" y="1704041"/>
+            <a:ext cx="5966012" cy="3977341"/>
           </a:xfrm>
           <a:prstGeom prst="rect">
             <a:avLst/>
           </a:prstGeom>
           <a:noFill/>
+          <a:extLst>
+            <a:ext uri="{909E8E84-426E-40DD-AFC4-6F175D3DCCD1}">
+              <a14:hiddenFill xmlns:a14="http://schemas.microsoft.com/office/drawing/2010/main">
+                <a:solidFill>
+                  <a:srgbClr val="FFFFFF"/>
+                </a:solidFill>
+              </a14:hiddenFill>
+            </a:ext>
+          </a:extLst>
         </p:spPr>
-        <p:txBody>
-          <a:bodyPr vert="horz" lIns="91440" tIns="45720" rIns="91440" bIns="45720" rtlCol="0" anchor="ctr">
-            <a:noAutofit/>
-          </a:bodyPr>
-          <a:lstStyle>
-            <a:lvl1pPr algn="l" defTabSz="914400" rtl="0" eaLnBrk="1" latinLnBrk="0" hangingPunct="1">
-              <a:lnSpc>
-                <a:spcPct val="90000"/>
-              </a:lnSpc>
-              <a:spcBef>
-                <a:spcPct val="0"/>
-              </a:spcBef>
-              <a:buNone/>
-              <a:defRPr sz="3600" kern="1200">
-                <a:solidFill>
-                  <a:srgbClr val="561B64"/>
-                </a:solidFill>
-                <a:latin typeface="+mj-lt"/>
-                <a:ea typeface="+mj-ea"/>
-                <a:cs typeface="+mj-cs"/>
-              </a:defRPr>
-            </a:lvl1pPr>
-          </a:lstStyle>
-          <a:p>
-            <a:pPr algn="just"/>
-            <a:r>
-              <a:rPr lang="es-ES" sz="2000" dirty="0" err="1">
-                <a:solidFill>
-                  <a:srgbClr val="171717"/>
-                </a:solidFill>
-                <a:latin typeface="Segoe UI" panose="020B0502040204020203" pitchFamily="34" charset="0"/>
-              </a:rPr>
-              <a:t>aaaa</a:t>
-            </a:r>
-            <a:endParaRPr lang="en-US" sz="2000" dirty="0">
-              <a:solidFill>
-                <a:srgbClr val="171717"/>
-              </a:solidFill>
-              <a:latin typeface="Segoe UI" panose="020B0502040204020203" pitchFamily="34" charset="0"/>
-            </a:endParaRPr>
-          </a:p>
-        </p:txBody>
-      </p:sp>
+      </p:pic>
     </p:spTree>
     <p:extLst>
       <p:ext uri="{BB962C8B-B14F-4D97-AF65-F5344CB8AC3E}">

--- a/netcoreconf23_BCN_BlazorNoWayHome.pptx
+++ b/netcoreconf23_BCN_BlazorNoWayHome.pptx
@@ -5,7 +5,7 @@
     <p:sldMasterId id="2147483648" r:id="rId1"/>
   </p:sldMasterIdLst>
   <p:notesMasterIdLst>
-    <p:notesMasterId r:id="rId18"/>
+    <p:notesMasterId r:id="rId17"/>
   </p:notesMasterIdLst>
   <p:sldIdLst>
     <p:sldId id="292" r:id="rId2"/>
@@ -19,11 +19,10 @@
     <p:sldId id="309" r:id="rId10"/>
     <p:sldId id="310" r:id="rId11"/>
     <p:sldId id="311" r:id="rId12"/>
-    <p:sldId id="312" r:id="rId13"/>
-    <p:sldId id="313" r:id="rId14"/>
-    <p:sldId id="314" r:id="rId15"/>
-    <p:sldId id="302" r:id="rId16"/>
-    <p:sldId id="281" r:id="rId17"/>
+    <p:sldId id="313" r:id="rId13"/>
+    <p:sldId id="314" r:id="rId14"/>
+    <p:sldId id="302" r:id="rId15"/>
+    <p:sldId id="281" r:id="rId16"/>
   </p:sldIdLst>
   <p:sldSz cx="12192000" cy="6858000"/>
   <p:notesSz cx="6858000" cy="9144000"/>
@@ -4842,7 +4841,7 @@
           <a:p>
             <a:fld id="{939FF663-7E36-284F-93AD-25D19950C905}" type="datetimeFigureOut">
               <a:rPr lang="es-ES_tradnl" smtClean="0"/>
-              <a:t>28/02/2023</a:t>
+              <a:t>01/03/2023</a:t>
             </a:fld>
             <a:endParaRPr lang="es-ES_tradnl"/>
           </a:p>
@@ -5335,7 +5334,7 @@
           <a:p>
             <a:fld id="{5201BD0E-354B-C440-9698-83F7F74945AC}" type="slidenum">
               <a:rPr lang="es-ES_tradnl" smtClean="0"/>
-              <a:t>16</a:t>
+              <a:t>15</a:t>
             </a:fld>
             <a:endParaRPr lang="es-ES_tradnl"/>
           </a:p>
@@ -5501,7 +5500,7 @@
           <a:p>
             <a:fld id="{884406F1-D55D-4EF3-B6E5-F254E6012FCC}" type="datetimeFigureOut">
               <a:rPr lang="es-ES" smtClean="0"/>
-              <a:t>28/02/2023</a:t>
+              <a:t>01/03/2023</a:t>
             </a:fld>
             <a:endParaRPr lang="es-ES"/>
           </a:p>
@@ -5762,7 +5761,7 @@
             <a:fld id="{DC76426A-DF8C-4B33-AC87-8CA5E8B7F10A}" type="datetimeFigureOut">
               <a:rPr lang="es-ES" smtClean="0"/>
               <a:pPr/>
-              <a:t>28/02/2023</a:t>
+              <a:t>01/03/2023</a:t>
             </a:fld>
             <a:endParaRPr lang="es-ES" dirty="0"/>
           </a:p>
@@ -7007,7 +7006,7 @@
             <a:fld id="{DC76426A-DF8C-4B33-AC87-8CA5E8B7F10A}" type="datetimeFigureOut">
               <a:rPr lang="es-ES" smtClean="0"/>
               <a:pPr/>
-              <a:t>28/02/2023</a:t>
+              <a:t>01/03/2023</a:t>
             </a:fld>
             <a:endParaRPr lang="es-ES" dirty="0"/>
           </a:p>
@@ -7379,7 +7378,7 @@
           <a:p>
             <a:fld id="{884406F1-D55D-4EF3-B6E5-F254E6012FCC}" type="datetimeFigureOut">
               <a:rPr lang="es-ES" smtClean="0"/>
-              <a:t>28/02/2023</a:t>
+              <a:t>01/03/2023</a:t>
             </a:fld>
             <a:endParaRPr lang="es-ES"/>
           </a:p>
@@ -8304,7 +8303,7 @@
           <a:p>
             <a:fld id="{884406F1-D55D-4EF3-B6E5-F254E6012FCC}" type="datetimeFigureOut">
               <a:rPr lang="es-ES" smtClean="0"/>
-              <a:t>28/02/2023</a:t>
+              <a:t>01/03/2023</a:t>
             </a:fld>
             <a:endParaRPr lang="es-ES"/>
           </a:p>
@@ -10048,7 +10047,7 @@
           <a:p>
             <a:r>
               <a:rPr lang="es-ES" dirty="0"/>
-              <a:t>.NET 7</a:t>
+              <a:t>CRUD</a:t>
             </a:r>
           </a:p>
         </p:txBody>
@@ -10078,7 +10077,7 @@
           <a:noFill/>
         </p:spPr>
         <p:txBody>
-          <a:bodyPr vert="horz" lIns="91440" tIns="45720" rIns="91440" bIns="45720" rtlCol="0" anchor="ctr">
+          <a:bodyPr vert="horz" lIns="91440" tIns="45720" rIns="91440" bIns="45720" rtlCol="0" anchor="t">
             <a:noAutofit/>
           </a:bodyPr>
           <a:lstStyle>
@@ -10101,7 +10100,10 @@
             </a:lvl1pPr>
           </a:lstStyle>
           <a:p>
-            <a:pPr algn="just"/>
+            <a:pPr marL="342900" indent="-342900" algn="just">
+              <a:buFont typeface="Arial" panose="020B0604020202020204" pitchFamily="34" charset="0"/>
+              <a:buChar char="•"/>
+            </a:pPr>
             <a:r>
               <a:rPr lang="es-ES" sz="2000" dirty="0" err="1">
                 <a:solidFill>
@@ -10109,8 +10111,38 @@
                 </a:solidFill>
                 <a:latin typeface="Segoe UI" panose="020B0502040204020203" pitchFamily="34" charset="0"/>
               </a:rPr>
-              <a:t>aaaa</a:t>
-            </a:r>
+              <a:t>Example</a:t>
+            </a:r>
+            <a:r>
+              <a:rPr lang="es-ES" sz="2000" dirty="0">
+                <a:solidFill>
+                  <a:srgbClr val="171717"/>
+                </a:solidFill>
+                <a:latin typeface="Segoe UI" panose="020B0502040204020203" pitchFamily="34" charset="0"/>
+              </a:rPr>
+              <a:t>: </a:t>
+            </a:r>
+          </a:p>
+          <a:p>
+            <a:pPr algn="just"/>
+            <a:r>
+              <a:rPr lang="es-ES" sz="2000" dirty="0">
+                <a:solidFill>
+                  <a:srgbClr val="171717"/>
+                </a:solidFill>
+                <a:latin typeface="Segoe UI" panose="020B0502040204020203" pitchFamily="34" charset="0"/>
+              </a:rPr>
+              <a:t>	NetCoreConfBCN23.Routing</a:t>
+            </a:r>
+            <a:endParaRPr lang="en-US" sz="2000" dirty="0">
+              <a:solidFill>
+                <a:srgbClr val="171717"/>
+              </a:solidFill>
+              <a:latin typeface="Segoe UI" panose="020B0502040204020203" pitchFamily="34" charset="0"/>
+            </a:endParaRPr>
+          </a:p>
+          <a:p>
+            <a:pPr algn="just"/>
             <a:endParaRPr lang="en-US" sz="2000" dirty="0">
               <a:solidFill>
                 <a:srgbClr val="171717"/>
@@ -10120,131 +10152,126 @@
           </a:p>
         </p:txBody>
       </p:sp>
-    </p:spTree>
-    <p:extLst>
-      <p:ext uri="{BB962C8B-B14F-4D97-AF65-F5344CB8AC3E}">
-        <p14:creationId xmlns:p14="http://schemas.microsoft.com/office/powerpoint/2010/main" val="3064728129"/>
-      </p:ext>
-    </p:extLst>
-  </p:cSld>
-  <p:clrMapOvr>
-    <a:masterClrMapping/>
-  </p:clrMapOvr>
-</p:sld>
-</file>
-
-<file path=ppt/slides/slide13.xml><?xml version="1.0" encoding="utf-8"?>
-<p:sld xmlns:a="http://schemas.openxmlformats.org/drawingml/2006/main" xmlns:r="http://schemas.openxmlformats.org/officeDocument/2006/relationships" xmlns:p="http://schemas.openxmlformats.org/presentationml/2006/main">
-  <p:cSld>
-    <p:spTree>
-      <p:nvGrpSpPr>
-        <p:cNvPr id="1" name=""/>
-        <p:cNvGrpSpPr/>
-        <p:nvPr/>
-      </p:nvGrpSpPr>
-      <p:grpSpPr>
-        <a:xfrm>
-          <a:off x="0" y="0"/>
-          <a:ext cx="0" cy="0"/>
-          <a:chOff x="0" y="0"/>
-          <a:chExt cx="0" cy="0"/>
-        </a:xfrm>
-      </p:grpSpPr>
-      <p:sp>
-        <p:nvSpPr>
-          <p:cNvPr id="5" name="Título 4">
+      <p:pic>
+        <p:nvPicPr>
+          <p:cNvPr id="7" name="Imagen 6">
             <a:extLst>
               <a:ext uri="{FF2B5EF4-FFF2-40B4-BE49-F238E27FC236}">
-                <a16:creationId xmlns:a16="http://schemas.microsoft.com/office/drawing/2014/main" id="{0F5D4E1C-BECE-4044-8955-F7990D60F576}"/>
+                <a16:creationId xmlns:a16="http://schemas.microsoft.com/office/drawing/2014/main" id="{48139B2D-9B16-D22F-7742-C2BA24D5D9AA}"/>
               </a:ext>
             </a:extLst>
           </p:cNvPr>
-          <p:cNvSpPr>
-            <a:spLocks noGrp="1"/>
-          </p:cNvSpPr>
-          <p:nvPr>
-            <p:ph type="title"/>
-          </p:nvPr>
-        </p:nvSpPr>
-        <p:spPr/>
-        <p:txBody>
-          <a:bodyPr/>
-          <a:lstStyle/>
-          <a:p>
-            <a:r>
-              <a:rPr lang="es-ES" dirty="0"/>
-              <a:t>CRUD</a:t>
-            </a:r>
-          </a:p>
-        </p:txBody>
-      </p:sp>
-      <p:sp>
-        <p:nvSpPr>
-          <p:cNvPr id="3" name="Título 4">
-            <a:extLst>
-              <a:ext uri="{FF2B5EF4-FFF2-40B4-BE49-F238E27FC236}">
-                <a16:creationId xmlns:a16="http://schemas.microsoft.com/office/drawing/2014/main" id="{08B4A7D6-21D8-4A2C-86E4-CEFE8DD02180}"/>
-              </a:ext>
-            </a:extLst>
-          </p:cNvPr>
-          <p:cNvSpPr txBox="1">
-            <a:spLocks/>
-          </p:cNvSpPr>
+          <p:cNvPicPr>
+            <a:picLocks noChangeAspect="1"/>
+          </p:cNvPicPr>
           <p:nvPr/>
-        </p:nvSpPr>
+        </p:nvPicPr>
+        <p:blipFill>
+          <a:blip r:embed="rId2"/>
+          <a:stretch>
+            <a:fillRect/>
+          </a:stretch>
+        </p:blipFill>
         <p:spPr>
           <a:xfrm>
-            <a:off x="838200" y="1195523"/>
-            <a:ext cx="6191249" cy="4466953"/>
+            <a:off x="529894" y="1848971"/>
+            <a:ext cx="6807859" cy="3452907"/>
           </a:xfrm>
           <a:prstGeom prst="rect">
             <a:avLst/>
           </a:prstGeom>
-          <a:noFill/>
+          <a:solidFill>
+            <a:srgbClr val="FFFFFF">
+              <a:shade val="85000"/>
+            </a:srgbClr>
+          </a:solidFill>
+          <a:ln w="88900" cap="sq">
+            <a:solidFill>
+              <a:srgbClr val="FFFFFF"/>
+            </a:solidFill>
+            <a:miter lim="800000"/>
+          </a:ln>
+          <a:effectLst>
+            <a:outerShdw blurRad="55000" dist="18000" dir="5400000" algn="tl" rotWithShape="0">
+              <a:srgbClr val="000000">
+                <a:alpha val="40000"/>
+              </a:srgbClr>
+            </a:outerShdw>
+          </a:effectLst>
+          <a:scene3d>
+            <a:camera prst="orthographicFront"/>
+            <a:lightRig rig="twoPt" dir="t">
+              <a:rot lat="0" lon="0" rev="7200000"/>
+            </a:lightRig>
+          </a:scene3d>
+          <a:sp3d>
+            <a:bevelT w="25400" h="19050"/>
+            <a:contourClr>
+              <a:srgbClr val="FFFFFF"/>
+            </a:contourClr>
+          </a:sp3d>
         </p:spPr>
-        <p:txBody>
-          <a:bodyPr vert="horz" lIns="91440" tIns="45720" rIns="91440" bIns="45720" rtlCol="0" anchor="ctr">
-            <a:noAutofit/>
-          </a:bodyPr>
-          <a:lstStyle>
-            <a:lvl1pPr algn="l" defTabSz="914400" rtl="0" eaLnBrk="1" latinLnBrk="0" hangingPunct="1">
-              <a:lnSpc>
-                <a:spcPct val="90000"/>
-              </a:lnSpc>
-              <a:spcBef>
-                <a:spcPct val="0"/>
-              </a:spcBef>
-              <a:buNone/>
-              <a:defRPr sz="3600" kern="1200">
-                <a:solidFill>
-                  <a:srgbClr val="561B64"/>
-                </a:solidFill>
-                <a:latin typeface="+mj-lt"/>
-                <a:ea typeface="+mj-ea"/>
-                <a:cs typeface="+mj-cs"/>
-              </a:defRPr>
-            </a:lvl1pPr>
-          </a:lstStyle>
-          <a:p>
-            <a:pPr algn="just"/>
-            <a:r>
-              <a:rPr lang="es-ES" sz="2000" dirty="0" err="1">
-                <a:solidFill>
-                  <a:srgbClr val="171717"/>
-                </a:solidFill>
-                <a:latin typeface="Segoe UI" panose="020B0502040204020203" pitchFamily="34" charset="0"/>
-              </a:rPr>
-              <a:t>aaaa</a:t>
-            </a:r>
-            <a:endParaRPr lang="en-US" sz="2000" dirty="0">
-              <a:solidFill>
-                <a:srgbClr val="171717"/>
-              </a:solidFill>
-              <a:latin typeface="Segoe UI" panose="020B0502040204020203" pitchFamily="34" charset="0"/>
-            </a:endParaRPr>
-          </a:p>
-        </p:txBody>
-      </p:sp>
+      </p:pic>
+      <p:pic>
+        <p:nvPicPr>
+          <p:cNvPr id="9" name="Imagen 8">
+            <a:extLst>
+              <a:ext uri="{FF2B5EF4-FFF2-40B4-BE49-F238E27FC236}">
+                <a16:creationId xmlns:a16="http://schemas.microsoft.com/office/drawing/2014/main" id="{99B78AFA-5435-767D-5AE7-30DE3E96B63B}"/>
+              </a:ext>
+            </a:extLst>
+          </p:cNvPr>
+          <p:cNvPicPr>
+            <a:picLocks noChangeAspect="1"/>
+          </p:cNvPicPr>
+          <p:nvPr/>
+        </p:nvPicPr>
+        <p:blipFill>
+          <a:blip r:embed="rId3"/>
+          <a:stretch>
+            <a:fillRect/>
+          </a:stretch>
+        </p:blipFill>
+        <p:spPr>
+          <a:xfrm>
+            <a:off x="5414325" y="3949220"/>
+            <a:ext cx="5478149" cy="2237278"/>
+          </a:xfrm>
+          <a:prstGeom prst="rect">
+            <a:avLst/>
+          </a:prstGeom>
+          <a:solidFill>
+            <a:srgbClr val="FFFFFF">
+              <a:shade val="85000"/>
+            </a:srgbClr>
+          </a:solidFill>
+          <a:ln w="88900" cap="sq">
+            <a:solidFill>
+              <a:srgbClr val="FFFFFF"/>
+            </a:solidFill>
+            <a:miter lim="800000"/>
+          </a:ln>
+          <a:effectLst>
+            <a:outerShdw blurRad="55000" dist="18000" dir="5400000" algn="tl" rotWithShape="0">
+              <a:srgbClr val="000000">
+                <a:alpha val="40000"/>
+              </a:srgbClr>
+            </a:outerShdw>
+          </a:effectLst>
+          <a:scene3d>
+            <a:camera prst="orthographicFront"/>
+            <a:lightRig rig="twoPt" dir="t">
+              <a:rot lat="0" lon="0" rev="7200000"/>
+            </a:lightRig>
+          </a:scene3d>
+          <a:sp3d>
+            <a:bevelT w="25400" h="19050"/>
+            <a:contourClr>
+              <a:srgbClr val="FFFFFF"/>
+            </a:contourClr>
+          </a:sp3d>
+        </p:spPr>
+      </p:pic>
     </p:spTree>
     <p:extLst>
       <p:ext uri="{BB962C8B-B14F-4D97-AF65-F5344CB8AC3E}">
@@ -10258,7 +10285,7 @@
 </p:sld>
 </file>
 
-<file path=ppt/slides/slide14.xml><?xml version="1.0" encoding="utf-8"?>
+<file path=ppt/slides/slide13.xml><?xml version="1.0" encoding="utf-8"?>
 <p:sld xmlns:a="http://schemas.openxmlformats.org/drawingml/2006/main" xmlns:r="http://schemas.openxmlformats.org/officeDocument/2006/relationships" xmlns:p="http://schemas.openxmlformats.org/presentationml/2006/main">
   <p:cSld>
     <p:spTree>
@@ -10364,7 +10391,7 @@
 </p:sld>
 </file>
 
-<file path=ppt/slides/slide15.xml><?xml version="1.0" encoding="utf-8"?>
+<file path=ppt/slides/slide14.xml><?xml version="1.0" encoding="utf-8"?>
 <p:sld xmlns:a="http://schemas.openxmlformats.org/drawingml/2006/main" xmlns:r="http://schemas.openxmlformats.org/officeDocument/2006/relationships" xmlns:p="http://schemas.openxmlformats.org/presentationml/2006/main">
   <p:cSld>
     <p:spTree>
@@ -10394,7 +10421,7 @@
 </p:sld>
 </file>
 
-<file path=ppt/slides/slide16.xml><?xml version="1.0" encoding="utf-8"?>
+<file path=ppt/slides/slide15.xml><?xml version="1.0" encoding="utf-8"?>
 <p:sld xmlns:a="http://schemas.openxmlformats.org/drawingml/2006/main" xmlns:r="http://schemas.openxmlformats.org/officeDocument/2006/relationships" xmlns:p="http://schemas.openxmlformats.org/presentationml/2006/main">
   <p:cSld>
     <p:bg>
@@ -12033,16 +12060,10 @@
           <a:lstStyle/>
           <a:p>
             <a:r>
-              <a:rPr lang="es-ES" sz="2400" dirty="0" err="1">
-                <a:latin typeface="+mn-lt"/>
-              </a:rPr>
-              <a:t>Blazor</a:t>
-            </a:r>
-            <a:r>
               <a:rPr lang="es-ES" sz="2400" dirty="0">
                 <a:latin typeface="+mn-lt"/>
               </a:rPr>
-              <a:t> in .NET 7</a:t>
+              <a:t>CRUD</a:t>
             </a:r>
           </a:p>
         </p:txBody>

--- a/netcoreconf23_BCN_BlazorNoWayHome.pptx
+++ b/netcoreconf23_BCN_BlazorNoWayHome.pptx
@@ -4841,7 +4841,7 @@
           <a:p>
             <a:fld id="{939FF663-7E36-284F-93AD-25D19950C905}" type="datetimeFigureOut">
               <a:rPr lang="es-ES_tradnl" smtClean="0"/>
-              <a:t>01/03/2023</a:t>
+              <a:t>02/03/2023</a:t>
             </a:fld>
             <a:endParaRPr lang="es-ES_tradnl"/>
           </a:p>
@@ -5500,7 +5500,7 @@
           <a:p>
             <a:fld id="{884406F1-D55D-4EF3-B6E5-F254E6012FCC}" type="datetimeFigureOut">
               <a:rPr lang="es-ES" smtClean="0"/>
-              <a:t>01/03/2023</a:t>
+              <a:t>02/03/2023</a:t>
             </a:fld>
             <a:endParaRPr lang="es-ES"/>
           </a:p>
@@ -5761,7 +5761,7 @@
             <a:fld id="{DC76426A-DF8C-4B33-AC87-8CA5E8B7F10A}" type="datetimeFigureOut">
               <a:rPr lang="es-ES" smtClean="0"/>
               <a:pPr/>
-              <a:t>01/03/2023</a:t>
+              <a:t>02/03/2023</a:t>
             </a:fld>
             <a:endParaRPr lang="es-ES" dirty="0"/>
           </a:p>
@@ -7006,7 +7006,7 @@
             <a:fld id="{DC76426A-DF8C-4B33-AC87-8CA5E8B7F10A}" type="datetimeFigureOut">
               <a:rPr lang="es-ES" smtClean="0"/>
               <a:pPr/>
-              <a:t>01/03/2023</a:t>
+              <a:t>02/03/2023</a:t>
             </a:fld>
             <a:endParaRPr lang="es-ES" dirty="0"/>
           </a:p>
@@ -7378,7 +7378,7 @@
           <a:p>
             <a:fld id="{884406F1-D55D-4EF3-B6E5-F254E6012FCC}" type="datetimeFigureOut">
               <a:rPr lang="es-ES" smtClean="0"/>
-              <a:t>01/03/2023</a:t>
+              <a:t>02/03/2023</a:t>
             </a:fld>
             <a:endParaRPr lang="es-ES"/>
           </a:p>
@@ -8303,7 +8303,7 @@
           <a:p>
             <a:fld id="{884406F1-D55D-4EF3-B6E5-F254E6012FCC}" type="datetimeFigureOut">
               <a:rPr lang="es-ES" smtClean="0"/>
-              <a:t>01/03/2023</a:t>
+              <a:t>02/03/2023</a:t>
             </a:fld>
             <a:endParaRPr lang="es-ES"/>
           </a:p>
@@ -10360,7 +10360,7 @@
         </p:blipFill>
         <p:spPr bwMode="auto">
           <a:xfrm>
-            <a:off x="3112994" y="1704041"/>
+            <a:off x="1566582" y="1598891"/>
             <a:ext cx="5966012" cy="3977341"/>
           </a:xfrm>
           <a:prstGeom prst="rect">
@@ -10376,6 +10376,42 @@
               </a14:hiddenFill>
             </a:ext>
           </a:extLst>
+        </p:spPr>
+      </p:pic>
+      <p:pic>
+        <p:nvPicPr>
+          <p:cNvPr id="3" name="Imagen 2" descr="Código QR&#10;&#10;Descripción generada automáticamente">
+            <a:extLst>
+              <a:ext uri="{FF2B5EF4-FFF2-40B4-BE49-F238E27FC236}">
+                <a16:creationId xmlns:a16="http://schemas.microsoft.com/office/drawing/2014/main" id="{BF2C0009-6639-5DBD-CCAA-3410BAC76680}"/>
+              </a:ext>
+            </a:extLst>
+          </p:cNvPr>
+          <p:cNvPicPr>
+            <a:picLocks noChangeAspect="1"/>
+          </p:cNvPicPr>
+          <p:nvPr/>
+        </p:nvPicPr>
+        <p:blipFill>
+          <a:blip r:embed="rId3">
+            <a:extLst>
+              <a:ext uri="{28A0092B-C50C-407E-A947-70E740481C1C}">
+                <a14:useLocalDpi xmlns:a14="http://schemas.microsoft.com/office/drawing/2010/main" val="0"/>
+              </a:ext>
+            </a:extLst>
+          </a:blip>
+          <a:stretch>
+            <a:fillRect/>
+          </a:stretch>
+        </p:blipFill>
+        <p:spPr>
+          <a:xfrm>
+            <a:off x="8250890" y="2064684"/>
+            <a:ext cx="2822762" cy="2822762"/>
+          </a:xfrm>
+          <a:prstGeom prst="rect">
+            <a:avLst/>
+          </a:prstGeom>
         </p:spPr>
       </p:pic>
     </p:spTree>

--- a/netcoreconf23_BCN_BlazorNoWayHome.pptx
+++ b/netcoreconf23_BCN_BlazorNoWayHome.pptx
@@ -9599,7 +9599,7 @@
                 </a:solidFill>
                 <a:latin typeface="Segoe UI" panose="020B0502040204020203" pitchFamily="34" charset="0"/>
               </a:rPr>
-              <a:t>Parametrs</a:t>
+              <a:t>Parameters</a:t>
             </a:r>
             <a:endParaRPr lang="es-ES" sz="2000" dirty="0">
               <a:solidFill>
